--- a/Progress Report.pptx
+++ b/Progress Report.pptx
@@ -5,37 +5,37 @@
     <p:sldMasterId id="2147483648" r:id="rId1"/>
   </p:sldMasterIdLst>
   <p:notesMasterIdLst>
-    <p:notesMasterId r:id="rId28"/>
+    <p:notesMasterId r:id="rId27"/>
   </p:notesMasterIdLst>
   <p:sldIdLst>
-    <p:sldId id="256" r:id="rId3"/>
-    <p:sldId id="258" r:id="rId4"/>
-    <p:sldId id="259" r:id="rId5"/>
-    <p:sldId id="268" r:id="rId6"/>
-    <p:sldId id="287" r:id="rId7"/>
-    <p:sldId id="269" r:id="rId8"/>
-    <p:sldId id="260" r:id="rId9"/>
-    <p:sldId id="288" r:id="rId10"/>
-    <p:sldId id="261" r:id="rId11"/>
-    <p:sldId id="262" r:id="rId12"/>
-    <p:sldId id="263" r:id="rId13"/>
-    <p:sldId id="264" r:id="rId14"/>
-    <p:sldId id="307" r:id="rId15"/>
-    <p:sldId id="273" r:id="rId16"/>
-    <p:sldId id="274" r:id="rId17"/>
-    <p:sldId id="275" r:id="rId18"/>
-    <p:sldId id="276" r:id="rId19"/>
-    <p:sldId id="277" r:id="rId20"/>
-    <p:sldId id="278" r:id="rId21"/>
-    <p:sldId id="265" r:id="rId22"/>
-    <p:sldId id="270" r:id="rId23"/>
-    <p:sldId id="271" r:id="rId24"/>
-    <p:sldId id="272" r:id="rId25"/>
-    <p:sldId id="266" r:id="rId26"/>
-    <p:sldId id="267" r:id="rId27"/>
+    <p:sldId id="256" r:id="rId2"/>
+    <p:sldId id="258" r:id="rId3"/>
+    <p:sldId id="259" r:id="rId4"/>
+    <p:sldId id="268" r:id="rId5"/>
+    <p:sldId id="287" r:id="rId6"/>
+    <p:sldId id="269" r:id="rId7"/>
+    <p:sldId id="260" r:id="rId8"/>
+    <p:sldId id="288" r:id="rId9"/>
+    <p:sldId id="261" r:id="rId10"/>
+    <p:sldId id="262" r:id="rId11"/>
+    <p:sldId id="263" r:id="rId12"/>
+    <p:sldId id="264" r:id="rId13"/>
+    <p:sldId id="307" r:id="rId14"/>
+    <p:sldId id="273" r:id="rId15"/>
+    <p:sldId id="274" r:id="rId16"/>
+    <p:sldId id="275" r:id="rId17"/>
+    <p:sldId id="276" r:id="rId18"/>
+    <p:sldId id="277" r:id="rId19"/>
+    <p:sldId id="278" r:id="rId20"/>
+    <p:sldId id="265" r:id="rId21"/>
+    <p:sldId id="270" r:id="rId22"/>
+    <p:sldId id="271" r:id="rId23"/>
+    <p:sldId id="272" r:id="rId24"/>
+    <p:sldId id="266" r:id="rId25"/>
+    <p:sldId id="267" r:id="rId26"/>
   </p:sldIdLst>
   <p:sldSz cx="12192000" cy="6858000"/>
-  <p:notesSz cx="7103745" cy="10234295"/>
+  <p:notesSz cx="7104063" cy="10234613"/>
   <p:defaultTextStyle>
     <a:defPPr>
       <a:defRPr lang="zh-CN"/>
@@ -131,6 +131,11 @@
       </a:defRPr>
     </a:lvl9pPr>
   </p:defaultTextStyle>
+  <p:extLst>
+    <p:ext uri="{EFAFB233-063F-42B5-8137-9DF3F51BA10A}">
+      <p15:sldGuideLst xmlns:p15="http://schemas.microsoft.com/office/powerpoint/2012/main"/>
+    </p:ext>
+  </p:extLst>
 </p:presentation>
 </file>
 
@@ -222,6 +227,7 @@
           <a:p>
             <a:fld id="{D2A48B96-639E-45A3-A0BA-2464DFDB1FAA}" type="datetimeFigureOut">
               <a:rPr lang="zh-CN" altLang="en-US" smtClean="0"/>
+              <a:t>2020/11/25</a:t>
             </a:fld>
             <a:endParaRPr lang="zh-CN" altLang="en-US"/>
           </a:p>
@@ -285,42 +291,37 @@
           <a:p>
             <a:pPr lvl="0"/>
             <a:r>
-              <a:rPr lang="zh-CN" altLang="en-US" smtClean="0"/>
+              <a:rPr lang="zh-CN" altLang="en-US"/>
               <a:t>单击此处编辑母版文本样式</a:t>
             </a:r>
-            <a:endParaRPr lang="zh-CN" altLang="en-US" smtClean="0"/>
           </a:p>
           <a:p>
             <a:pPr lvl="1"/>
             <a:r>
-              <a:rPr lang="zh-CN" altLang="en-US" smtClean="0"/>
+              <a:rPr lang="zh-CN" altLang="en-US"/>
               <a:t>第二级</a:t>
             </a:r>
-            <a:endParaRPr lang="zh-CN" altLang="en-US" smtClean="0"/>
           </a:p>
           <a:p>
             <a:pPr lvl="2"/>
             <a:r>
-              <a:rPr lang="zh-CN" altLang="en-US" smtClean="0"/>
+              <a:rPr lang="zh-CN" altLang="en-US"/>
               <a:t>第三级</a:t>
             </a:r>
-            <a:endParaRPr lang="zh-CN" altLang="en-US" smtClean="0"/>
           </a:p>
           <a:p>
             <a:pPr lvl="3"/>
             <a:r>
-              <a:rPr lang="zh-CN" altLang="en-US" smtClean="0"/>
+              <a:rPr lang="zh-CN" altLang="en-US"/>
               <a:t>第四级</a:t>
             </a:r>
-            <a:endParaRPr lang="zh-CN" altLang="en-US" smtClean="0"/>
           </a:p>
           <a:p>
             <a:pPr lvl="4"/>
             <a:r>
-              <a:rPr lang="zh-CN" altLang="en-US" smtClean="0"/>
+              <a:rPr lang="zh-CN" altLang="en-US"/>
               <a:t>第五级</a:t>
             </a:r>
-            <a:endParaRPr lang="zh-CN" altLang="en-US"/>
           </a:p>
         </p:txBody>
       </p:sp>
@@ -384,6 +385,7 @@
           <a:p>
             <a:fld id="{A6837353-30EB-4A48-80EB-173D804AEFBD}" type="slidenum">
               <a:rPr lang="zh-CN" altLang="en-US" smtClean="0"/>
+              <a:t>‹#›</a:t>
             </a:fld>
             <a:endParaRPr lang="zh-CN" altLang="en-US"/>
           </a:p>
@@ -529,10 +531,9 @@
           </a:lstStyle>
           <a:p>
             <a:r>
-              <a:rPr lang="zh-CN" altLang="en-US" smtClean="0"/>
+              <a:rPr lang="zh-CN" altLang="en-US"/>
               <a:t>单击此处编辑母版标题样式</a:t>
             </a:r>
-            <a:endParaRPr lang="zh-CN" altLang="en-US"/>
           </a:p>
         </p:txBody>
       </p:sp>
@@ -594,10 +595,9 @@
           </a:lstStyle>
           <a:p>
             <a:r>
-              <a:rPr lang="zh-CN" altLang="en-US" smtClean="0"/>
+              <a:rPr lang="zh-CN" altLang="en-US"/>
               <a:t>单击此处编辑母版副标题样式</a:t>
             </a:r>
-            <a:endParaRPr lang="zh-CN" altLang="en-US"/>
           </a:p>
         </p:txBody>
       </p:sp>
@@ -618,6 +618,7 @@
           <a:p>
             <a:fld id="{82F288E0-7875-42C4-84C8-98DBBD3BF4D2}" type="datetimeFigureOut">
               <a:rPr lang="zh-CN" altLang="en-US" smtClean="0"/>
+              <a:t>2020/11/25</a:t>
             </a:fld>
             <a:endParaRPr lang="zh-CN" altLang="en-US"/>
           </a:p>
@@ -659,6 +660,7 @@
           <a:p>
             <a:fld id="{7D9BB5D0-35E4-459D-AEF3-FE4D7C45CC19}" type="slidenum">
               <a:rPr lang="zh-CN" altLang="en-US" smtClean="0"/>
+              <a:t>‹#›</a:t>
             </a:fld>
             <a:endParaRPr lang="zh-CN" altLang="en-US"/>
           </a:p>
@@ -711,42 +713,37 @@
           <a:p>
             <a:pPr lvl="0"/>
             <a:r>
-              <a:rPr lang="zh-CN" altLang="en-US" smtClean="0"/>
+              <a:rPr lang="zh-CN" altLang="en-US"/>
               <a:t>单击此处编辑母版文本样式</a:t>
             </a:r>
-            <a:endParaRPr lang="zh-CN" altLang="en-US" smtClean="0"/>
           </a:p>
           <a:p>
             <a:pPr lvl="1"/>
             <a:r>
-              <a:rPr lang="zh-CN" altLang="en-US" smtClean="0"/>
+              <a:rPr lang="zh-CN" altLang="en-US"/>
               <a:t>第二级</a:t>
             </a:r>
-            <a:endParaRPr lang="zh-CN" altLang="en-US" smtClean="0"/>
           </a:p>
           <a:p>
             <a:pPr lvl="2"/>
             <a:r>
-              <a:rPr lang="zh-CN" altLang="en-US" smtClean="0"/>
+              <a:rPr lang="zh-CN" altLang="en-US"/>
               <a:t>第三级</a:t>
             </a:r>
-            <a:endParaRPr lang="zh-CN" altLang="en-US" smtClean="0"/>
           </a:p>
           <a:p>
             <a:pPr lvl="3"/>
             <a:r>
-              <a:rPr lang="zh-CN" altLang="en-US" smtClean="0"/>
+              <a:rPr lang="zh-CN" altLang="en-US"/>
               <a:t>第四级</a:t>
             </a:r>
-            <a:endParaRPr lang="zh-CN" altLang="en-US" smtClean="0"/>
           </a:p>
           <a:p>
             <a:pPr lvl="4"/>
             <a:r>
-              <a:rPr lang="zh-CN" altLang="en-US" smtClean="0"/>
+              <a:rPr lang="zh-CN" altLang="en-US"/>
               <a:t>第五级</a:t>
             </a:r>
-            <a:endParaRPr lang="zh-CN" altLang="en-US"/>
           </a:p>
         </p:txBody>
       </p:sp>
@@ -767,6 +764,7 @@
           <a:p>
             <a:fld id="{82F288E0-7875-42C4-84C8-98DBBD3BF4D2}" type="datetimeFigureOut">
               <a:rPr lang="zh-CN" altLang="en-US" smtClean="0"/>
+              <a:t>2020/11/25</a:t>
             </a:fld>
             <a:endParaRPr lang="zh-CN" altLang="en-US"/>
           </a:p>
@@ -808,6 +806,7 @@
           <a:p>
             <a:fld id="{7D9BB5D0-35E4-459D-AEF3-FE4D7C45CC19}" type="slidenum">
               <a:rPr lang="zh-CN" altLang="en-US" smtClean="0"/>
+              <a:t>‹#›</a:t>
             </a:fld>
             <a:endParaRPr lang="zh-CN" altLang="en-US"/>
           </a:p>
@@ -854,10 +853,9 @@
           <a:lstStyle/>
           <a:p>
             <a:r>
-              <a:rPr lang="zh-CN" altLang="en-US" smtClean="0"/>
+              <a:rPr lang="zh-CN" altLang="en-US"/>
               <a:t>单击此处编辑母版标题样式</a:t>
             </a:r>
-            <a:endParaRPr lang="zh-CN" altLang="en-US"/>
           </a:p>
         </p:txBody>
       </p:sp>
@@ -878,42 +876,37 @@
           <a:p>
             <a:pPr lvl="0"/>
             <a:r>
-              <a:rPr lang="zh-CN" altLang="en-US" smtClean="0"/>
+              <a:rPr lang="zh-CN" altLang="en-US"/>
               <a:t>单击此处编辑母版文本样式</a:t>
             </a:r>
-            <a:endParaRPr lang="zh-CN" altLang="en-US" smtClean="0"/>
           </a:p>
           <a:p>
             <a:pPr lvl="1"/>
             <a:r>
-              <a:rPr lang="zh-CN" altLang="en-US" smtClean="0"/>
+              <a:rPr lang="zh-CN" altLang="en-US"/>
               <a:t>第二级</a:t>
             </a:r>
-            <a:endParaRPr lang="zh-CN" altLang="en-US" smtClean="0"/>
           </a:p>
           <a:p>
             <a:pPr lvl="2"/>
             <a:r>
-              <a:rPr lang="zh-CN" altLang="en-US" smtClean="0"/>
+              <a:rPr lang="zh-CN" altLang="en-US"/>
               <a:t>第三级</a:t>
             </a:r>
-            <a:endParaRPr lang="zh-CN" altLang="en-US" smtClean="0"/>
           </a:p>
           <a:p>
             <a:pPr lvl="3"/>
             <a:r>
-              <a:rPr lang="zh-CN" altLang="en-US" smtClean="0"/>
+              <a:rPr lang="zh-CN" altLang="en-US"/>
               <a:t>第四级</a:t>
             </a:r>
-            <a:endParaRPr lang="zh-CN" altLang="en-US" smtClean="0"/>
           </a:p>
           <a:p>
             <a:pPr lvl="4"/>
             <a:r>
-              <a:rPr lang="zh-CN" altLang="en-US" smtClean="0"/>
+              <a:rPr lang="zh-CN" altLang="en-US"/>
               <a:t>第五级</a:t>
             </a:r>
-            <a:endParaRPr lang="zh-CN" altLang="en-US"/>
           </a:p>
         </p:txBody>
       </p:sp>
@@ -934,6 +927,7 @@
           <a:p>
             <a:fld id="{82F288E0-7875-42C4-84C8-98DBBD3BF4D2}" type="datetimeFigureOut">
               <a:rPr lang="zh-CN" altLang="en-US" smtClean="0"/>
+              <a:t>2020/11/25</a:t>
             </a:fld>
             <a:endParaRPr lang="zh-CN" altLang="en-US"/>
           </a:p>
@@ -975,6 +969,7 @@
           <a:p>
             <a:fld id="{7D9BB5D0-35E4-459D-AEF3-FE4D7C45CC19}" type="slidenum">
               <a:rPr lang="zh-CN" altLang="en-US" smtClean="0"/>
+              <a:t>‹#›</a:t>
             </a:fld>
             <a:endParaRPr lang="zh-CN" altLang="en-US"/>
           </a:p>
@@ -1030,10 +1025,9 @@
           </a:lstStyle>
           <a:p>
             <a:r>
-              <a:rPr lang="zh-CN" altLang="en-US" smtClean="0"/>
+              <a:rPr lang="zh-CN" altLang="en-US"/>
               <a:t>单击此处编辑母版标题样式</a:t>
             </a:r>
-            <a:endParaRPr lang="zh-CN" altLang="en-US"/>
           </a:p>
         </p:txBody>
       </p:sp>
@@ -1150,10 +1144,9 @@
           <a:p>
             <a:pPr lvl="0"/>
             <a:r>
-              <a:rPr lang="zh-CN" altLang="en-US" smtClean="0"/>
+              <a:rPr lang="zh-CN" altLang="en-US"/>
               <a:t>单击此处编辑母版文本样式</a:t>
             </a:r>
-            <a:endParaRPr lang="zh-CN" altLang="en-US" smtClean="0"/>
           </a:p>
         </p:txBody>
       </p:sp>
@@ -1174,6 +1167,7 @@
           <a:p>
             <a:fld id="{82F288E0-7875-42C4-84C8-98DBBD3BF4D2}" type="datetimeFigureOut">
               <a:rPr lang="zh-CN" altLang="en-US" smtClean="0"/>
+              <a:t>2020/11/25</a:t>
             </a:fld>
             <a:endParaRPr lang="zh-CN" altLang="en-US"/>
           </a:p>
@@ -1215,6 +1209,7 @@
           <a:p>
             <a:fld id="{7D9BB5D0-35E4-459D-AEF3-FE4D7C45CC19}" type="slidenum">
               <a:rPr lang="zh-CN" altLang="en-US" smtClean="0"/>
+              <a:t>‹#›</a:t>
             </a:fld>
             <a:endParaRPr lang="zh-CN" altLang="en-US"/>
           </a:p>
@@ -1261,10 +1256,9 @@
           <a:lstStyle/>
           <a:p>
             <a:r>
-              <a:rPr lang="zh-CN" altLang="en-US" smtClean="0"/>
+              <a:rPr lang="zh-CN" altLang="en-US"/>
               <a:t>单击此处编辑母版标题样式</a:t>
             </a:r>
-            <a:endParaRPr lang="zh-CN" altLang="en-US"/>
           </a:p>
         </p:txBody>
       </p:sp>
@@ -1290,42 +1284,37 @@
           <a:p>
             <a:pPr lvl="0"/>
             <a:r>
-              <a:rPr lang="zh-CN" altLang="en-US" smtClean="0"/>
+              <a:rPr lang="zh-CN" altLang="en-US"/>
               <a:t>单击此处编辑母版文本样式</a:t>
             </a:r>
-            <a:endParaRPr lang="zh-CN" altLang="en-US" smtClean="0"/>
           </a:p>
           <a:p>
             <a:pPr lvl="1"/>
             <a:r>
-              <a:rPr lang="zh-CN" altLang="en-US" smtClean="0"/>
+              <a:rPr lang="zh-CN" altLang="en-US"/>
               <a:t>第二级</a:t>
             </a:r>
-            <a:endParaRPr lang="zh-CN" altLang="en-US" smtClean="0"/>
           </a:p>
           <a:p>
             <a:pPr lvl="2"/>
             <a:r>
-              <a:rPr lang="zh-CN" altLang="en-US" smtClean="0"/>
+              <a:rPr lang="zh-CN" altLang="en-US"/>
               <a:t>第三级</a:t>
             </a:r>
-            <a:endParaRPr lang="zh-CN" altLang="en-US" smtClean="0"/>
           </a:p>
           <a:p>
             <a:pPr lvl="3"/>
             <a:r>
-              <a:rPr lang="zh-CN" altLang="en-US" smtClean="0"/>
+              <a:rPr lang="zh-CN" altLang="en-US"/>
               <a:t>第四级</a:t>
             </a:r>
-            <a:endParaRPr lang="zh-CN" altLang="en-US" smtClean="0"/>
           </a:p>
           <a:p>
             <a:pPr lvl="4"/>
             <a:r>
-              <a:rPr lang="zh-CN" altLang="en-US" smtClean="0"/>
+              <a:rPr lang="zh-CN" altLang="en-US"/>
               <a:t>第五级</a:t>
             </a:r>
-            <a:endParaRPr lang="zh-CN" altLang="en-US"/>
           </a:p>
         </p:txBody>
       </p:sp>
@@ -1351,42 +1340,37 @@
           <a:p>
             <a:pPr lvl="0"/>
             <a:r>
-              <a:rPr lang="zh-CN" altLang="en-US" smtClean="0"/>
+              <a:rPr lang="zh-CN" altLang="en-US"/>
               <a:t>单击此处编辑母版文本样式</a:t>
             </a:r>
-            <a:endParaRPr lang="zh-CN" altLang="en-US" smtClean="0"/>
           </a:p>
           <a:p>
             <a:pPr lvl="1"/>
             <a:r>
-              <a:rPr lang="zh-CN" altLang="en-US" smtClean="0"/>
+              <a:rPr lang="zh-CN" altLang="en-US"/>
               <a:t>第二级</a:t>
             </a:r>
-            <a:endParaRPr lang="zh-CN" altLang="en-US" smtClean="0"/>
           </a:p>
           <a:p>
             <a:pPr lvl="2"/>
             <a:r>
-              <a:rPr lang="zh-CN" altLang="en-US" smtClean="0"/>
+              <a:rPr lang="zh-CN" altLang="en-US"/>
               <a:t>第三级</a:t>
             </a:r>
-            <a:endParaRPr lang="zh-CN" altLang="en-US" smtClean="0"/>
           </a:p>
           <a:p>
             <a:pPr lvl="3"/>
             <a:r>
-              <a:rPr lang="zh-CN" altLang="en-US" smtClean="0"/>
+              <a:rPr lang="zh-CN" altLang="en-US"/>
               <a:t>第四级</a:t>
             </a:r>
-            <a:endParaRPr lang="zh-CN" altLang="en-US" smtClean="0"/>
           </a:p>
           <a:p>
             <a:pPr lvl="4"/>
             <a:r>
-              <a:rPr lang="zh-CN" altLang="en-US" smtClean="0"/>
+              <a:rPr lang="zh-CN" altLang="en-US"/>
               <a:t>第五级</a:t>
             </a:r>
-            <a:endParaRPr lang="zh-CN" altLang="en-US"/>
           </a:p>
         </p:txBody>
       </p:sp>
@@ -1407,6 +1391,7 @@
           <a:p>
             <a:fld id="{82F288E0-7875-42C4-84C8-98DBBD3BF4D2}" type="datetimeFigureOut">
               <a:rPr lang="zh-CN" altLang="en-US" smtClean="0"/>
+              <a:t>2020/11/25</a:t>
             </a:fld>
             <a:endParaRPr lang="zh-CN" altLang="en-US"/>
           </a:p>
@@ -1448,6 +1433,7 @@
           <a:p>
             <a:fld id="{7D9BB5D0-35E4-459D-AEF3-FE4D7C45CC19}" type="slidenum">
               <a:rPr lang="zh-CN" altLang="en-US" smtClean="0"/>
+              <a:t>‹#›</a:t>
             </a:fld>
             <a:endParaRPr lang="zh-CN" altLang="en-US"/>
           </a:p>
@@ -1499,10 +1485,9 @@
           <a:lstStyle/>
           <a:p>
             <a:r>
-              <a:rPr lang="zh-CN" altLang="en-US" smtClean="0"/>
+              <a:rPr lang="zh-CN" altLang="en-US"/>
               <a:t>单击此处编辑母版标题样式</a:t>
             </a:r>
-            <a:endParaRPr lang="zh-CN" altLang="en-US"/>
           </a:p>
         </p:txBody>
       </p:sp>
@@ -1565,10 +1550,9 @@
           <a:p>
             <a:pPr lvl="0"/>
             <a:r>
-              <a:rPr lang="zh-CN" altLang="en-US" smtClean="0"/>
+              <a:rPr lang="zh-CN" altLang="en-US"/>
               <a:t>单击此处编辑母版文本样式</a:t>
             </a:r>
-            <a:endParaRPr lang="zh-CN" altLang="en-US" smtClean="0"/>
           </a:p>
         </p:txBody>
       </p:sp>
@@ -1594,42 +1578,37 @@
           <a:p>
             <a:pPr lvl="0"/>
             <a:r>
-              <a:rPr lang="zh-CN" altLang="en-US" smtClean="0"/>
+              <a:rPr lang="zh-CN" altLang="en-US"/>
               <a:t>单击此处编辑母版文本样式</a:t>
             </a:r>
-            <a:endParaRPr lang="zh-CN" altLang="en-US" smtClean="0"/>
           </a:p>
           <a:p>
             <a:pPr lvl="1"/>
             <a:r>
-              <a:rPr lang="zh-CN" altLang="en-US" smtClean="0"/>
+              <a:rPr lang="zh-CN" altLang="en-US"/>
               <a:t>第二级</a:t>
             </a:r>
-            <a:endParaRPr lang="zh-CN" altLang="en-US" smtClean="0"/>
           </a:p>
           <a:p>
             <a:pPr lvl="2"/>
             <a:r>
-              <a:rPr lang="zh-CN" altLang="en-US" smtClean="0"/>
+              <a:rPr lang="zh-CN" altLang="en-US"/>
               <a:t>第三级</a:t>
             </a:r>
-            <a:endParaRPr lang="zh-CN" altLang="en-US" smtClean="0"/>
           </a:p>
           <a:p>
             <a:pPr lvl="3"/>
             <a:r>
-              <a:rPr lang="zh-CN" altLang="en-US" smtClean="0"/>
+              <a:rPr lang="zh-CN" altLang="en-US"/>
               <a:t>第四级</a:t>
             </a:r>
-            <a:endParaRPr lang="zh-CN" altLang="en-US" smtClean="0"/>
           </a:p>
           <a:p>
             <a:pPr lvl="4"/>
             <a:r>
-              <a:rPr lang="zh-CN" altLang="en-US" smtClean="0"/>
+              <a:rPr lang="zh-CN" altLang="en-US"/>
               <a:t>第五级</a:t>
             </a:r>
-            <a:endParaRPr lang="zh-CN" altLang="en-US"/>
           </a:p>
         </p:txBody>
       </p:sp>
@@ -1692,10 +1671,9 @@
           <a:p>
             <a:pPr lvl="0"/>
             <a:r>
-              <a:rPr lang="zh-CN" altLang="en-US" smtClean="0"/>
+              <a:rPr lang="zh-CN" altLang="en-US"/>
               <a:t>单击此处编辑母版文本样式</a:t>
             </a:r>
-            <a:endParaRPr lang="zh-CN" altLang="en-US" smtClean="0"/>
           </a:p>
         </p:txBody>
       </p:sp>
@@ -1721,42 +1699,37 @@
           <a:p>
             <a:pPr lvl="0"/>
             <a:r>
-              <a:rPr lang="zh-CN" altLang="en-US" smtClean="0"/>
+              <a:rPr lang="zh-CN" altLang="en-US"/>
               <a:t>单击此处编辑母版文本样式</a:t>
             </a:r>
-            <a:endParaRPr lang="zh-CN" altLang="en-US" smtClean="0"/>
           </a:p>
           <a:p>
             <a:pPr lvl="1"/>
             <a:r>
-              <a:rPr lang="zh-CN" altLang="en-US" smtClean="0"/>
+              <a:rPr lang="zh-CN" altLang="en-US"/>
               <a:t>第二级</a:t>
             </a:r>
-            <a:endParaRPr lang="zh-CN" altLang="en-US" smtClean="0"/>
           </a:p>
           <a:p>
             <a:pPr lvl="2"/>
             <a:r>
-              <a:rPr lang="zh-CN" altLang="en-US" smtClean="0"/>
+              <a:rPr lang="zh-CN" altLang="en-US"/>
               <a:t>第三级</a:t>
             </a:r>
-            <a:endParaRPr lang="zh-CN" altLang="en-US" smtClean="0"/>
           </a:p>
           <a:p>
             <a:pPr lvl="3"/>
             <a:r>
-              <a:rPr lang="zh-CN" altLang="en-US" smtClean="0"/>
+              <a:rPr lang="zh-CN" altLang="en-US"/>
               <a:t>第四级</a:t>
             </a:r>
-            <a:endParaRPr lang="zh-CN" altLang="en-US" smtClean="0"/>
           </a:p>
           <a:p>
             <a:pPr lvl="4"/>
             <a:r>
-              <a:rPr lang="zh-CN" altLang="en-US" smtClean="0"/>
+              <a:rPr lang="zh-CN" altLang="en-US"/>
               <a:t>第五级</a:t>
             </a:r>
-            <a:endParaRPr lang="zh-CN" altLang="en-US"/>
           </a:p>
         </p:txBody>
       </p:sp>
@@ -1777,6 +1750,7 @@
           <a:p>
             <a:fld id="{82F288E0-7875-42C4-84C8-98DBBD3BF4D2}" type="datetimeFigureOut">
               <a:rPr lang="zh-CN" altLang="en-US" smtClean="0"/>
+              <a:t>2020/11/25</a:t>
             </a:fld>
             <a:endParaRPr lang="zh-CN" altLang="en-US"/>
           </a:p>
@@ -1818,6 +1792,7 @@
           <a:p>
             <a:fld id="{7D9BB5D0-35E4-459D-AEF3-FE4D7C45CC19}" type="slidenum">
               <a:rPr lang="zh-CN" altLang="en-US" smtClean="0"/>
+              <a:t>‹#›</a:t>
             </a:fld>
             <a:endParaRPr lang="zh-CN" altLang="en-US"/>
           </a:p>
@@ -1864,10 +1839,9 @@
           <a:lstStyle/>
           <a:p>
             <a:r>
-              <a:rPr lang="zh-CN" altLang="en-US" smtClean="0"/>
+              <a:rPr lang="zh-CN" altLang="en-US"/>
               <a:t>单击此处编辑母版标题样式</a:t>
             </a:r>
-            <a:endParaRPr lang="zh-CN" altLang="en-US"/>
           </a:p>
         </p:txBody>
       </p:sp>
@@ -1888,6 +1862,7 @@
           <a:p>
             <a:fld id="{82F288E0-7875-42C4-84C8-98DBBD3BF4D2}" type="datetimeFigureOut">
               <a:rPr lang="zh-CN" altLang="en-US" smtClean="0"/>
+              <a:t>2020/11/25</a:t>
             </a:fld>
             <a:endParaRPr lang="zh-CN" altLang="en-US"/>
           </a:p>
@@ -1929,6 +1904,7 @@
           <a:p>
             <a:fld id="{7D9BB5D0-35E4-459D-AEF3-FE4D7C45CC19}" type="slidenum">
               <a:rPr lang="zh-CN" altLang="en-US" smtClean="0"/>
+              <a:t>‹#›</a:t>
             </a:fld>
             <a:endParaRPr lang="zh-CN" altLang="en-US"/>
           </a:p>
@@ -1976,6 +1952,7 @@
           <a:p>
             <a:fld id="{82F288E0-7875-42C4-84C8-98DBBD3BF4D2}" type="datetimeFigureOut">
               <a:rPr lang="zh-CN" altLang="en-US" smtClean="0"/>
+              <a:t>2020/11/25</a:t>
             </a:fld>
             <a:endParaRPr lang="zh-CN" altLang="en-US"/>
           </a:p>
@@ -2017,6 +1994,7 @@
           <a:p>
             <a:fld id="{7D9BB5D0-35E4-459D-AEF3-FE4D7C45CC19}" type="slidenum">
               <a:rPr lang="zh-CN" altLang="en-US" smtClean="0"/>
+              <a:t>‹#›</a:t>
             </a:fld>
             <a:endParaRPr lang="zh-CN" altLang="en-US"/>
           </a:p>
@@ -2072,10 +2050,9 @@
           </a:lstStyle>
           <a:p>
             <a:r>
-              <a:rPr lang="zh-CN" altLang="en-US" smtClean="0"/>
+              <a:rPr lang="zh-CN" altLang="en-US"/>
               <a:t>单击此处编辑母版标题样式</a:t>
             </a:r>
-            <a:endParaRPr lang="zh-CN" altLang="en-US"/>
           </a:p>
         </p:txBody>
       </p:sp>
@@ -2199,10 +2176,9 @@
           <a:p>
             <a:pPr lvl="0"/>
             <a:r>
-              <a:rPr lang="zh-CN" altLang="en-US" smtClean="0"/>
+              <a:rPr lang="zh-CN" altLang="en-US"/>
               <a:t>单击此处编辑母版文本样式</a:t>
             </a:r>
-            <a:endParaRPr lang="zh-CN" altLang="en-US" smtClean="0"/>
           </a:p>
         </p:txBody>
       </p:sp>
@@ -2223,6 +2199,7 @@
           <a:p>
             <a:fld id="{82F288E0-7875-42C4-84C8-98DBBD3BF4D2}" type="datetimeFigureOut">
               <a:rPr lang="zh-CN" altLang="en-US" smtClean="0"/>
+              <a:t>2020/11/25</a:t>
             </a:fld>
             <a:endParaRPr lang="zh-CN" altLang="en-US"/>
           </a:p>
@@ -2264,6 +2241,7 @@
           <a:p>
             <a:fld id="{7D9BB5D0-35E4-459D-AEF3-FE4D7C45CC19}" type="slidenum">
               <a:rPr lang="zh-CN" altLang="en-US" smtClean="0"/>
+              <a:t>‹#›</a:t>
             </a:fld>
             <a:endParaRPr lang="zh-CN" altLang="en-US"/>
           </a:p>
@@ -2315,10 +2293,9 @@
           <a:lstStyle/>
           <a:p>
             <a:r>
-              <a:rPr lang="zh-CN" altLang="en-US" smtClean="0"/>
+              <a:rPr lang="zh-CN" altLang="en-US"/>
               <a:t>单击此处编辑母版标题样式</a:t>
             </a:r>
-            <a:endParaRPr lang="zh-CN" altLang="en-US"/>
           </a:p>
         </p:txBody>
       </p:sp>
@@ -2344,42 +2321,37 @@
           <a:p>
             <a:pPr lvl="0"/>
             <a:r>
-              <a:rPr lang="zh-CN" altLang="en-US" smtClean="0"/>
+              <a:rPr lang="zh-CN" altLang="en-US"/>
               <a:t>单击此处编辑母版文本样式</a:t>
             </a:r>
-            <a:endParaRPr lang="zh-CN" altLang="en-US" smtClean="0"/>
           </a:p>
           <a:p>
             <a:pPr lvl="1"/>
             <a:r>
-              <a:rPr lang="zh-CN" altLang="en-US" smtClean="0"/>
+              <a:rPr lang="zh-CN" altLang="en-US"/>
               <a:t>第二级</a:t>
             </a:r>
-            <a:endParaRPr lang="zh-CN" altLang="en-US" smtClean="0"/>
           </a:p>
           <a:p>
             <a:pPr lvl="2"/>
             <a:r>
-              <a:rPr lang="zh-CN" altLang="en-US" smtClean="0"/>
+              <a:rPr lang="zh-CN" altLang="en-US"/>
               <a:t>第三级</a:t>
             </a:r>
-            <a:endParaRPr lang="zh-CN" altLang="en-US" smtClean="0"/>
           </a:p>
           <a:p>
             <a:pPr lvl="3"/>
             <a:r>
-              <a:rPr lang="zh-CN" altLang="en-US" smtClean="0"/>
+              <a:rPr lang="zh-CN" altLang="en-US"/>
               <a:t>第四级</a:t>
             </a:r>
-            <a:endParaRPr lang="zh-CN" altLang="en-US" smtClean="0"/>
           </a:p>
           <a:p>
             <a:pPr lvl="4"/>
             <a:r>
-              <a:rPr lang="zh-CN" altLang="en-US" smtClean="0"/>
+              <a:rPr lang="zh-CN" altLang="en-US"/>
               <a:t>第五级</a:t>
             </a:r>
-            <a:endParaRPr lang="zh-CN" altLang="en-US"/>
           </a:p>
         </p:txBody>
       </p:sp>
@@ -2400,6 +2372,7 @@
           <a:p>
             <a:fld id="{82F288E0-7875-42C4-84C8-98DBBD3BF4D2}" type="datetimeFigureOut">
               <a:rPr lang="zh-CN" altLang="en-US" smtClean="0"/>
+              <a:t>2020/11/25</a:t>
             </a:fld>
             <a:endParaRPr lang="zh-CN" altLang="en-US"/>
           </a:p>
@@ -2441,6 +2414,7 @@
           <a:p>
             <a:fld id="{7D9BB5D0-35E4-459D-AEF3-FE4D7C45CC19}" type="slidenum">
               <a:rPr lang="zh-CN" altLang="en-US" smtClean="0"/>
+              <a:t>‹#›</a:t>
             </a:fld>
             <a:endParaRPr lang="zh-CN" altLang="en-US"/>
           </a:p>
@@ -2502,10 +2476,9 @@
           <a:lstStyle/>
           <a:p>
             <a:r>
-              <a:rPr lang="zh-CN" altLang="en-US" smtClean="0"/>
+              <a:rPr lang="zh-CN" altLang="en-US"/>
               <a:t>单击此处编辑母版标题样式</a:t>
             </a:r>
-            <a:endParaRPr lang="zh-CN" altLang="en-US"/>
           </a:p>
         </p:txBody>
       </p:sp>
@@ -2536,42 +2509,37 @@
           <a:p>
             <a:pPr lvl="0"/>
             <a:r>
-              <a:rPr lang="zh-CN" altLang="en-US" smtClean="0"/>
+              <a:rPr lang="zh-CN" altLang="en-US"/>
               <a:t>单击此处编辑母版文本样式</a:t>
             </a:r>
-            <a:endParaRPr lang="zh-CN" altLang="en-US" smtClean="0"/>
           </a:p>
           <a:p>
             <a:pPr lvl="1"/>
             <a:r>
-              <a:rPr lang="zh-CN" altLang="en-US" smtClean="0"/>
+              <a:rPr lang="zh-CN" altLang="en-US"/>
               <a:t>第二级</a:t>
             </a:r>
-            <a:endParaRPr lang="zh-CN" altLang="en-US" smtClean="0"/>
           </a:p>
           <a:p>
             <a:pPr lvl="2"/>
             <a:r>
-              <a:rPr lang="zh-CN" altLang="en-US" smtClean="0"/>
+              <a:rPr lang="zh-CN" altLang="en-US"/>
               <a:t>第三级</a:t>
             </a:r>
-            <a:endParaRPr lang="zh-CN" altLang="en-US" smtClean="0"/>
           </a:p>
           <a:p>
             <a:pPr lvl="3"/>
             <a:r>
-              <a:rPr lang="zh-CN" altLang="en-US" smtClean="0"/>
+              <a:rPr lang="zh-CN" altLang="en-US"/>
               <a:t>第四级</a:t>
             </a:r>
-            <a:endParaRPr lang="zh-CN" altLang="en-US" smtClean="0"/>
           </a:p>
           <a:p>
             <a:pPr lvl="4"/>
             <a:r>
-              <a:rPr lang="zh-CN" altLang="en-US" smtClean="0"/>
+              <a:rPr lang="zh-CN" altLang="en-US"/>
               <a:t>第五级</a:t>
             </a:r>
-            <a:endParaRPr lang="zh-CN" altLang="en-US"/>
           </a:p>
         </p:txBody>
       </p:sp>
@@ -2610,6 +2578,7 @@
           <a:p>
             <a:fld id="{82F288E0-7875-42C4-84C8-98DBBD3BF4D2}" type="datetimeFigureOut">
               <a:rPr lang="zh-CN" altLang="en-US" smtClean="0"/>
+              <a:t>2020/11/25</a:t>
             </a:fld>
             <a:endParaRPr lang="zh-CN" altLang="en-US"/>
           </a:p>
@@ -2687,6 +2656,7 @@
           <a:p>
             <a:fld id="{7D9BB5D0-35E4-459D-AEF3-FE4D7C45CC19}" type="slidenum">
               <a:rPr lang="zh-CN" altLang="en-US" smtClean="0"/>
+              <a:t>‹#›</a:t>
             </a:fld>
             <a:endParaRPr lang="zh-CN" altLang="en-US"/>
           </a:p>
@@ -2999,7 +2969,14 @@
         <p:cNvGrpSpPr/>
         <p:nvPr/>
       </p:nvGrpSpPr>
-      <p:grpSpPr/>
+      <p:grpSpPr>
+        <a:xfrm>
+          <a:off x="0" y="0"/>
+          <a:ext cx="0" cy="0"/>
+          <a:chOff x="0" y="0"/>
+          <a:chExt cx="0" cy="0"/>
+        </a:xfrm>
+      </p:grpSpPr>
       <p:pic>
         <p:nvPicPr>
           <p:cNvPr id="4" name="图片 3" descr="截屏2020-11-24 上午10.19.04"/>
@@ -3009,7 +2986,7 @@
           <p:nvPr/>
         </p:nvPicPr>
         <p:blipFill>
-          <a:blip r:embed="rId1"/>
+          <a:blip r:embed="rId2"/>
           <a:stretch>
             <a:fillRect/>
           </a:stretch>
@@ -3044,13 +3021,13 @@
           <a:bodyPr wrap="square" rtlCol="0">
             <a:spAutoFit/>
           </a:bodyPr>
+          <a:lstStyle/>
           <a:p>
             <a:pPr algn="ctr"/>
             <a:r>
               <a:rPr lang="en-US" altLang="zh-CN" sz="5400" b="1" i="1"/>
               <a:t>Progress Report</a:t>
             </a:r>
-            <a:endParaRPr lang="en-US" altLang="zh-CN" sz="5400" b="1" i="1"/>
           </a:p>
           <a:p>
             <a:pPr algn="ctr"/>
@@ -3093,12 +3070,12 @@
           <a:bodyPr wrap="square" rtlCol="0">
             <a:spAutoFit/>
           </a:bodyPr>
+          <a:lstStyle/>
           <a:p>
             <a:r>
               <a:rPr lang="en-US" altLang="zh-CN"/>
               <a:t>2020.11.26</a:t>
             </a:r>
-            <a:endParaRPr lang="en-US" altLang="zh-CN"/>
           </a:p>
         </p:txBody>
       </p:sp>
@@ -3241,7 +3218,14 @@
         <p:cNvGrpSpPr/>
         <p:nvPr/>
       </p:nvGrpSpPr>
-      <p:grpSpPr/>
+      <p:grpSpPr>
+        <a:xfrm>
+          <a:off x="0" y="0"/>
+          <a:ext cx="0" cy="0"/>
+          <a:chOff x="0" y="0"/>
+          <a:chExt cx="0" cy="0"/>
+        </a:xfrm>
+      </p:grpSpPr>
       <p:pic>
         <p:nvPicPr>
           <p:cNvPr id="4" name="图片 3" descr="截屏2020-11-24 上午10.19.04"/>
@@ -3251,7 +3235,7 @@
           <p:nvPr/>
         </p:nvPicPr>
         <p:blipFill>
-          <a:blip r:embed="rId1"/>
+          <a:blip r:embed="rId2"/>
           <a:stretch>
             <a:fillRect/>
           </a:stretch>
@@ -3286,6 +3270,7 @@
           <a:bodyPr wrap="square" rtlCol="0" anchor="t">
             <a:spAutoFit/>
           </a:bodyPr>
+          <a:lstStyle/>
           <a:p>
             <a:pPr marL="285750" indent="-285750" algn="l">
               <a:buFont typeface="Wingdings" panose="05000000000000000000" charset="0"/>
@@ -3321,6 +3306,7 @@
           <a:bodyPr wrap="square" rtlCol="0">
             <a:spAutoFit/>
           </a:bodyPr>
+          <a:lstStyle/>
           <a:p>
             <a:pPr marL="285750" indent="-285750">
               <a:buFont typeface="Wingdings" panose="05000000000000000000" charset="0"/>
@@ -3330,7 +3316,6 @@
               <a:rPr lang="en-US" altLang="zh-CN" sz="2000"/>
               <a:t>Advanced--Cross validation</a:t>
             </a:r>
-            <a:endParaRPr lang="en-US" altLang="zh-CN" sz="2000"/>
           </a:p>
         </p:txBody>
       </p:sp>
@@ -3343,7 +3328,7 @@
           <p:nvPr/>
         </p:nvPicPr>
         <p:blipFill>
-          <a:blip r:embed="rId2"/>
+          <a:blip r:embed="rId3"/>
           <a:stretch>
             <a:fillRect/>
           </a:stretch>
@@ -3414,12 +3399,12 @@
           <a:bodyPr wrap="square" rtlCol="0">
             <a:spAutoFit/>
           </a:bodyPr>
+          <a:lstStyle/>
           <a:p>
             <a:r>
               <a:rPr lang="en-US" altLang="zh-CN"/>
               <a:t>test dataset</a:t>
             </a:r>
-            <a:endParaRPr lang="en-US" altLang="zh-CN"/>
           </a:p>
         </p:txBody>
       </p:sp>
@@ -3443,12 +3428,12 @@
           <a:bodyPr wrap="square" rtlCol="0">
             <a:spAutoFit/>
           </a:bodyPr>
+          <a:lstStyle/>
           <a:p>
             <a:r>
               <a:rPr lang="en-US" altLang="zh-CN"/>
               <a:t>random_state</a:t>
             </a:r>
-            <a:endParaRPr lang="en-US" altLang="zh-CN"/>
           </a:p>
         </p:txBody>
       </p:sp>
@@ -3685,7 +3670,14 @@
         <p:cNvGrpSpPr/>
         <p:nvPr/>
       </p:nvGrpSpPr>
-      <p:grpSpPr/>
+      <p:grpSpPr>
+        <a:xfrm>
+          <a:off x="0" y="0"/>
+          <a:ext cx="0" cy="0"/>
+          <a:chOff x="0" y="0"/>
+          <a:chExt cx="0" cy="0"/>
+        </a:xfrm>
+      </p:grpSpPr>
       <p:pic>
         <p:nvPicPr>
           <p:cNvPr id="4" name="图片 3" descr="截屏2020-11-24 上午10.19.04"/>
@@ -3695,7 +3687,7 @@
           <p:nvPr/>
         </p:nvPicPr>
         <p:blipFill>
-          <a:blip r:embed="rId1"/>
+          <a:blip r:embed="rId2"/>
           <a:stretch>
             <a:fillRect/>
           </a:stretch>
@@ -3730,6 +3722,7 @@
           <a:bodyPr wrap="square" rtlCol="0" anchor="t">
             <a:spAutoFit/>
           </a:bodyPr>
+          <a:lstStyle/>
           <a:p>
             <a:pPr marL="285750" indent="-285750" algn="l">
               <a:buFont typeface="Wingdings" panose="05000000000000000000" charset="0"/>
@@ -3765,6 +3758,7 @@
           <a:bodyPr wrap="square" rtlCol="0">
             <a:spAutoFit/>
           </a:bodyPr>
+          <a:lstStyle/>
           <a:p>
             <a:pPr marL="285750" indent="-285750">
               <a:buFont typeface="Wingdings" panose="05000000000000000000" charset="0"/>
@@ -4013,7 +4007,14 @@
         <p:cNvGrpSpPr/>
         <p:nvPr/>
       </p:nvGrpSpPr>
-      <p:grpSpPr/>
+      <p:grpSpPr>
+        <a:xfrm>
+          <a:off x="0" y="0"/>
+          <a:ext cx="0" cy="0"/>
+          <a:chOff x="0" y="0"/>
+          <a:chExt cx="0" cy="0"/>
+        </a:xfrm>
+      </p:grpSpPr>
       <p:pic>
         <p:nvPicPr>
           <p:cNvPr id="4" name="图片 3" descr="截屏2020-11-24 上午10.19.04"/>
@@ -4023,7 +4024,7 @@
           <p:nvPr/>
         </p:nvPicPr>
         <p:blipFill>
-          <a:blip r:embed="rId1"/>
+          <a:blip r:embed="rId2"/>
           <a:stretch>
             <a:fillRect/>
           </a:stretch>
@@ -4058,6 +4059,7 @@
           <a:bodyPr wrap="square" rtlCol="0" anchor="t">
             <a:spAutoFit/>
           </a:bodyPr>
+          <a:lstStyle/>
           <a:p>
             <a:pPr marL="285750" indent="-285750" algn="l">
               <a:buFont typeface="Wingdings" panose="05000000000000000000" charset="0"/>
@@ -4093,6 +4095,7 @@
           <a:bodyPr wrap="square" rtlCol="0">
             <a:spAutoFit/>
           </a:bodyPr>
+          <a:lstStyle/>
           <a:p>
             <a:pPr marL="285750" indent="-285750">
               <a:buFont typeface="Wingdings" panose="05000000000000000000" charset="0"/>
@@ -4341,7 +4344,14 @@
         <p:cNvGrpSpPr/>
         <p:nvPr/>
       </p:nvGrpSpPr>
-      <p:grpSpPr/>
+      <p:grpSpPr>
+        <a:xfrm>
+          <a:off x="0" y="0"/>
+          <a:ext cx="0" cy="0"/>
+          <a:chOff x="0" y="0"/>
+          <a:chExt cx="0" cy="0"/>
+        </a:xfrm>
+      </p:grpSpPr>
       <p:pic>
         <p:nvPicPr>
           <p:cNvPr id="4" name="图片 3" descr="截屏2020-11-24 上午10.19.04"/>
@@ -4351,7 +4361,7 @@
           <p:nvPr/>
         </p:nvPicPr>
         <p:blipFill>
-          <a:blip r:embed="rId1"/>
+          <a:blip r:embed="rId2"/>
           <a:stretch>
             <a:fillRect/>
           </a:stretch>
@@ -4386,6 +4396,7 @@
           <a:bodyPr wrap="square" rtlCol="0" anchor="t">
             <a:spAutoFit/>
           </a:bodyPr>
+          <a:lstStyle/>
           <a:p>
             <a:pPr marL="285750" indent="-285750" algn="l">
               <a:buFont typeface="Wingdings" panose="05000000000000000000" charset="0"/>
@@ -4421,6 +4432,7 @@
           <a:bodyPr wrap="square" rtlCol="0">
             <a:spAutoFit/>
           </a:bodyPr>
+          <a:lstStyle/>
           <a:p>
             <a:pPr marL="285750" indent="-285750">
               <a:buFont typeface="Wingdings" panose="05000000000000000000" charset="0"/>
@@ -4669,7 +4681,14 @@
         <p:cNvGrpSpPr/>
         <p:nvPr/>
       </p:nvGrpSpPr>
-      <p:grpSpPr/>
+      <p:grpSpPr>
+        <a:xfrm>
+          <a:off x="0" y="0"/>
+          <a:ext cx="0" cy="0"/>
+          <a:chOff x="0" y="0"/>
+          <a:chExt cx="0" cy="0"/>
+        </a:xfrm>
+      </p:grpSpPr>
       <p:pic>
         <p:nvPicPr>
           <p:cNvPr id="4" name="图片 3" descr="截屏2020-11-24 上午10.19.04"/>
@@ -4679,7 +4698,7 @@
           <p:nvPr/>
         </p:nvPicPr>
         <p:blipFill>
-          <a:blip r:embed="rId1"/>
+          <a:blip r:embed="rId2"/>
           <a:stretch>
             <a:fillRect/>
           </a:stretch>
@@ -4714,6 +4733,7 @@
           <a:bodyPr wrap="square" rtlCol="0" anchor="t">
             <a:spAutoFit/>
           </a:bodyPr>
+          <a:lstStyle/>
           <a:p>
             <a:pPr marL="285750" indent="-285750" algn="l">
               <a:buFont typeface="Wingdings" panose="05000000000000000000" charset="0"/>
@@ -4870,7 +4890,14 @@
         <p:cNvGrpSpPr/>
         <p:nvPr/>
       </p:nvGrpSpPr>
-      <p:grpSpPr/>
+      <p:grpSpPr>
+        <a:xfrm>
+          <a:off x="0" y="0"/>
+          <a:ext cx="0" cy="0"/>
+          <a:chOff x="0" y="0"/>
+          <a:chExt cx="0" cy="0"/>
+        </a:xfrm>
+      </p:grpSpPr>
       <p:pic>
         <p:nvPicPr>
           <p:cNvPr id="4" name="图片 3" descr="截屏2020-11-24 上午10.19.04"/>
@@ -4880,7 +4907,7 @@
           <p:nvPr/>
         </p:nvPicPr>
         <p:blipFill>
-          <a:blip r:embed="rId1"/>
+          <a:blip r:embed="rId2"/>
           <a:stretch>
             <a:fillRect/>
           </a:stretch>
@@ -4915,6 +4942,7 @@
           <a:bodyPr wrap="square" rtlCol="0" anchor="t">
             <a:spAutoFit/>
           </a:bodyPr>
+          <a:lstStyle/>
           <a:p>
             <a:pPr marL="285750" indent="-285750" algn="l">
               <a:buFont typeface="Wingdings" panose="05000000000000000000" charset="0"/>
@@ -5071,7 +5099,14 @@
         <p:cNvGrpSpPr/>
         <p:nvPr/>
       </p:nvGrpSpPr>
-      <p:grpSpPr/>
+      <p:grpSpPr>
+        <a:xfrm>
+          <a:off x="0" y="0"/>
+          <a:ext cx="0" cy="0"/>
+          <a:chOff x="0" y="0"/>
+          <a:chExt cx="0" cy="0"/>
+        </a:xfrm>
+      </p:grpSpPr>
       <p:pic>
         <p:nvPicPr>
           <p:cNvPr id="4" name="图片 3" descr="截屏2020-11-24 上午10.19.04"/>
@@ -5081,7 +5116,7 @@
           <p:nvPr/>
         </p:nvPicPr>
         <p:blipFill>
-          <a:blip r:embed="rId1"/>
+          <a:blip r:embed="rId2"/>
           <a:stretch>
             <a:fillRect/>
           </a:stretch>
@@ -5116,6 +5151,7 @@
           <a:bodyPr wrap="square" rtlCol="0" anchor="t">
             <a:spAutoFit/>
           </a:bodyPr>
+          <a:lstStyle/>
           <a:p>
             <a:pPr marL="285750" indent="-285750" algn="l">
               <a:buFont typeface="Wingdings" panose="05000000000000000000" charset="0"/>
@@ -5272,7 +5308,14 @@
         <p:cNvGrpSpPr/>
         <p:nvPr/>
       </p:nvGrpSpPr>
-      <p:grpSpPr/>
+      <p:grpSpPr>
+        <a:xfrm>
+          <a:off x="0" y="0"/>
+          <a:ext cx="0" cy="0"/>
+          <a:chOff x="0" y="0"/>
+          <a:chExt cx="0" cy="0"/>
+        </a:xfrm>
+      </p:grpSpPr>
       <p:pic>
         <p:nvPicPr>
           <p:cNvPr id="4" name="图片 3" descr="截屏2020-11-24 上午10.19.04"/>
@@ -5282,7 +5325,7 @@
           <p:nvPr/>
         </p:nvPicPr>
         <p:blipFill>
-          <a:blip r:embed="rId1"/>
+          <a:blip r:embed="rId2"/>
           <a:stretch>
             <a:fillRect/>
           </a:stretch>
@@ -5317,6 +5360,7 @@
           <a:bodyPr wrap="square" rtlCol="0" anchor="t">
             <a:spAutoFit/>
           </a:bodyPr>
+          <a:lstStyle/>
           <a:p>
             <a:pPr marL="285750" indent="-285750" algn="l">
               <a:buFont typeface="Wingdings" panose="05000000000000000000" charset="0"/>
@@ -5473,7 +5517,14 @@
         <p:cNvGrpSpPr/>
         <p:nvPr/>
       </p:nvGrpSpPr>
-      <p:grpSpPr/>
+      <p:grpSpPr>
+        <a:xfrm>
+          <a:off x="0" y="0"/>
+          <a:ext cx="0" cy="0"/>
+          <a:chOff x="0" y="0"/>
+          <a:chExt cx="0" cy="0"/>
+        </a:xfrm>
+      </p:grpSpPr>
       <p:pic>
         <p:nvPicPr>
           <p:cNvPr id="4" name="图片 3" descr="截屏2020-11-24 上午10.19.04"/>
@@ -5483,7 +5534,7 @@
           <p:nvPr/>
         </p:nvPicPr>
         <p:blipFill>
-          <a:blip r:embed="rId1"/>
+          <a:blip r:embed="rId2"/>
           <a:stretch>
             <a:fillRect/>
           </a:stretch>
@@ -5518,6 +5569,7 @@
           <a:bodyPr wrap="square" rtlCol="0" anchor="t">
             <a:spAutoFit/>
           </a:bodyPr>
+          <a:lstStyle/>
           <a:p>
             <a:pPr marL="285750" indent="-285750" algn="l">
               <a:buFont typeface="Wingdings" panose="05000000000000000000" charset="0"/>
@@ -5674,7 +5726,14 @@
         <p:cNvGrpSpPr/>
         <p:nvPr/>
       </p:nvGrpSpPr>
-      <p:grpSpPr/>
+      <p:grpSpPr>
+        <a:xfrm>
+          <a:off x="0" y="0"/>
+          <a:ext cx="0" cy="0"/>
+          <a:chOff x="0" y="0"/>
+          <a:chExt cx="0" cy="0"/>
+        </a:xfrm>
+      </p:grpSpPr>
       <p:pic>
         <p:nvPicPr>
           <p:cNvPr id="4" name="图片 3" descr="截屏2020-11-24 上午10.19.04"/>
@@ -5684,7 +5743,7 @@
           <p:nvPr/>
         </p:nvPicPr>
         <p:blipFill>
-          <a:blip r:embed="rId1"/>
+          <a:blip r:embed="rId2"/>
           <a:stretch>
             <a:fillRect/>
           </a:stretch>
@@ -5719,6 +5778,7 @@
           <a:bodyPr wrap="square" rtlCol="0" anchor="t">
             <a:spAutoFit/>
           </a:bodyPr>
+          <a:lstStyle/>
           <a:p>
             <a:pPr marL="285750" indent="-285750" algn="l">
               <a:buFont typeface="Wingdings" panose="05000000000000000000" charset="0"/>
@@ -5875,7 +5935,14 @@
         <p:cNvGrpSpPr/>
         <p:nvPr/>
       </p:nvGrpSpPr>
-      <p:grpSpPr/>
+      <p:grpSpPr>
+        <a:xfrm>
+          <a:off x="0" y="0"/>
+          <a:ext cx="0" cy="0"/>
+          <a:chOff x="0" y="0"/>
+          <a:chExt cx="0" cy="0"/>
+        </a:xfrm>
+      </p:grpSpPr>
       <p:pic>
         <p:nvPicPr>
           <p:cNvPr id="4" name="图片 3" descr="截屏2020-11-24 上午10.19.04"/>
@@ -5885,7 +5952,7 @@
           <p:nvPr/>
         </p:nvPicPr>
         <p:blipFill>
-          <a:blip r:embed="rId1"/>
+          <a:blip r:embed="rId2"/>
           <a:stretch>
             <a:fillRect/>
           </a:stretch>
@@ -5920,12 +5987,12 @@
           <a:bodyPr wrap="square" rtlCol="0">
             <a:spAutoFit/>
           </a:bodyPr>
+          <a:lstStyle/>
           <a:p>
             <a:r>
               <a:rPr lang="en-US" altLang="zh-CN" sz="3600" b="1" i="1"/>
               <a:t>Outline:</a:t>
             </a:r>
-            <a:endParaRPr lang="en-US" altLang="zh-CN" sz="3600" b="1" i="1"/>
           </a:p>
           <a:p>
             <a:endParaRPr lang="en-US" altLang="zh-CN"/>
@@ -5939,7 +6006,6 @@
               <a:rPr lang="en-US" altLang="zh-CN" sz="2400"/>
               <a:t>Data preprocessing and analysis</a:t>
             </a:r>
-            <a:endParaRPr lang="en-US" altLang="zh-CN" sz="2400"/>
           </a:p>
           <a:p>
             <a:pPr marL="285750" indent="-285750">
@@ -5957,7 +6023,6 @@
               <a:rPr lang="en-US" altLang="zh-CN" sz="2400"/>
               <a:t>Use two mechine learning algorithms</a:t>
             </a:r>
-            <a:endParaRPr lang="en-US" altLang="zh-CN" sz="2400"/>
           </a:p>
           <a:p>
             <a:pPr marL="285750" indent="-285750">
@@ -5975,7 +6040,6 @@
               <a:rPr lang="en-US" altLang="zh-CN" sz="2400"/>
               <a:t>Meet some problems</a:t>
             </a:r>
-            <a:endParaRPr lang="en-US" altLang="zh-CN" sz="2400"/>
           </a:p>
           <a:p>
             <a:pPr indent="0">
@@ -6281,7 +6345,14 @@
         <p:cNvGrpSpPr/>
         <p:nvPr/>
       </p:nvGrpSpPr>
-      <p:grpSpPr/>
+      <p:grpSpPr>
+        <a:xfrm>
+          <a:off x="0" y="0"/>
+          <a:ext cx="0" cy="0"/>
+          <a:chOff x="0" y="0"/>
+          <a:chExt cx="0" cy="0"/>
+        </a:xfrm>
+      </p:grpSpPr>
       <p:pic>
         <p:nvPicPr>
           <p:cNvPr id="4" name="图片 3" descr="截屏2020-11-24 上午10.19.04"/>
@@ -6291,7 +6362,7 @@
           <p:nvPr/>
         </p:nvPicPr>
         <p:blipFill>
-          <a:blip r:embed="rId1"/>
+          <a:blip r:embed="rId2"/>
           <a:stretch>
             <a:fillRect/>
           </a:stretch>
@@ -6326,6 +6397,7 @@
           <a:bodyPr wrap="square" rtlCol="0" anchor="t">
             <a:spAutoFit/>
           </a:bodyPr>
+          <a:lstStyle/>
           <a:p>
             <a:pPr marL="285750" indent="-285750" algn="l">
               <a:buFont typeface="Wingdings" panose="05000000000000000000" charset="0"/>
@@ -6337,9 +6409,6 @@
               </a:rPr>
               <a:t>ML algorithm----Support Vector Machine</a:t>
             </a:r>
-            <a:endParaRPr lang="en-US" altLang="zh-CN" sz="2800" b="1" i="1">
-              <a:sym typeface="+mn-ea"/>
-            </a:endParaRPr>
           </a:p>
         </p:txBody>
       </p:sp>
@@ -6484,7 +6553,14 @@
         <p:cNvGrpSpPr/>
         <p:nvPr/>
       </p:nvGrpSpPr>
-      <p:grpSpPr/>
+      <p:grpSpPr>
+        <a:xfrm>
+          <a:off x="0" y="0"/>
+          <a:ext cx="0" cy="0"/>
+          <a:chOff x="0" y="0"/>
+          <a:chExt cx="0" cy="0"/>
+        </a:xfrm>
+      </p:grpSpPr>
       <p:pic>
         <p:nvPicPr>
           <p:cNvPr id="4" name="图片 3" descr="截屏2020-11-24 上午10.19.04"/>
@@ -6494,7 +6570,7 @@
           <p:nvPr/>
         </p:nvPicPr>
         <p:blipFill>
-          <a:blip r:embed="rId1"/>
+          <a:blip r:embed="rId2"/>
           <a:stretch>
             <a:fillRect/>
           </a:stretch>
@@ -6529,6 +6605,7 @@
           <a:bodyPr wrap="square" rtlCol="0" anchor="t">
             <a:spAutoFit/>
           </a:bodyPr>
+          <a:lstStyle/>
           <a:p>
             <a:pPr marL="285750" indent="-285750" algn="l">
               <a:buFont typeface="Wingdings" panose="05000000000000000000" charset="0"/>
@@ -6540,9 +6617,6 @@
               </a:rPr>
               <a:t>ML algorithm----Support Vector Machine</a:t>
             </a:r>
-            <a:endParaRPr lang="en-US" altLang="zh-CN" sz="2800" b="1" i="1">
-              <a:sym typeface="+mn-ea"/>
-            </a:endParaRPr>
           </a:p>
         </p:txBody>
       </p:sp>
@@ -6687,7 +6761,14 @@
         <p:cNvGrpSpPr/>
         <p:nvPr/>
       </p:nvGrpSpPr>
-      <p:grpSpPr/>
+      <p:grpSpPr>
+        <a:xfrm>
+          <a:off x="0" y="0"/>
+          <a:ext cx="0" cy="0"/>
+          <a:chOff x="0" y="0"/>
+          <a:chExt cx="0" cy="0"/>
+        </a:xfrm>
+      </p:grpSpPr>
       <p:pic>
         <p:nvPicPr>
           <p:cNvPr id="4" name="图片 3" descr="截屏2020-11-24 上午10.19.04"/>
@@ -6697,7 +6778,7 @@
           <p:nvPr/>
         </p:nvPicPr>
         <p:blipFill>
-          <a:blip r:embed="rId1"/>
+          <a:blip r:embed="rId2"/>
           <a:stretch>
             <a:fillRect/>
           </a:stretch>
@@ -6732,6 +6813,7 @@
           <a:bodyPr wrap="square" rtlCol="0" anchor="t">
             <a:spAutoFit/>
           </a:bodyPr>
+          <a:lstStyle/>
           <a:p>
             <a:pPr marL="285750" indent="-285750" algn="l">
               <a:buFont typeface="Wingdings" panose="05000000000000000000" charset="0"/>
@@ -6743,9 +6825,6 @@
               </a:rPr>
               <a:t>ML algorithm----Support Vector Machine</a:t>
             </a:r>
-            <a:endParaRPr lang="en-US" altLang="zh-CN" sz="2800" b="1" i="1">
-              <a:sym typeface="+mn-ea"/>
-            </a:endParaRPr>
           </a:p>
         </p:txBody>
       </p:sp>
@@ -6890,7 +6969,14 @@
         <p:cNvGrpSpPr/>
         <p:nvPr/>
       </p:nvGrpSpPr>
-      <p:grpSpPr/>
+      <p:grpSpPr>
+        <a:xfrm>
+          <a:off x="0" y="0"/>
+          <a:ext cx="0" cy="0"/>
+          <a:chOff x="0" y="0"/>
+          <a:chExt cx="0" cy="0"/>
+        </a:xfrm>
+      </p:grpSpPr>
       <p:pic>
         <p:nvPicPr>
           <p:cNvPr id="4" name="图片 3" descr="截屏2020-11-24 上午10.19.04"/>
@@ -6900,7 +6986,7 @@
           <p:nvPr/>
         </p:nvPicPr>
         <p:blipFill>
-          <a:blip r:embed="rId1"/>
+          <a:blip r:embed="rId2"/>
           <a:stretch>
             <a:fillRect/>
           </a:stretch>
@@ -6935,6 +7021,7 @@
           <a:bodyPr wrap="square" rtlCol="0" anchor="t">
             <a:spAutoFit/>
           </a:bodyPr>
+          <a:lstStyle/>
           <a:p>
             <a:pPr marL="285750" indent="-285750" algn="l">
               <a:buFont typeface="Wingdings" panose="05000000000000000000" charset="0"/>
@@ -6946,9 +7033,6 @@
               </a:rPr>
               <a:t>ML algorithm----Support Vector Machine</a:t>
             </a:r>
-            <a:endParaRPr lang="en-US" altLang="zh-CN" sz="2800" b="1" i="1">
-              <a:sym typeface="+mn-ea"/>
-            </a:endParaRPr>
           </a:p>
         </p:txBody>
       </p:sp>
@@ -7093,7 +7177,14 @@
         <p:cNvGrpSpPr/>
         <p:nvPr/>
       </p:nvGrpSpPr>
-      <p:grpSpPr/>
+      <p:grpSpPr>
+        <a:xfrm>
+          <a:off x="0" y="0"/>
+          <a:ext cx="0" cy="0"/>
+          <a:chOff x="0" y="0"/>
+          <a:chExt cx="0" cy="0"/>
+        </a:xfrm>
+      </p:grpSpPr>
       <p:pic>
         <p:nvPicPr>
           <p:cNvPr id="4" name="图片 3" descr="截屏2020-11-24 上午10.19.04"/>
@@ -7103,7 +7194,7 @@
           <p:nvPr/>
         </p:nvPicPr>
         <p:blipFill>
-          <a:blip r:embed="rId1"/>
+          <a:blip r:embed="rId2"/>
           <a:stretch>
             <a:fillRect/>
           </a:stretch>
@@ -7138,6 +7229,7 @@
           <a:bodyPr wrap="none" rtlCol="0" anchor="t">
             <a:spAutoFit/>
           </a:bodyPr>
+          <a:lstStyle/>
           <a:p>
             <a:pPr algn="l"/>
             <a:r>
@@ -7152,9 +7244,6 @@
               </a:rPr>
               <a:t>：</a:t>
             </a:r>
-            <a:endParaRPr lang="zh-CN" altLang="en-US" sz="3200" b="1" i="1">
-              <a:sym typeface="+mn-ea"/>
-            </a:endParaRPr>
           </a:p>
           <a:p>
             <a:pPr algn="l"/>
@@ -7173,9 +7262,6 @@
               </a:rPr>
               <a:t>Continue to optimize the model, pruning the decision tree model</a:t>
             </a:r>
-            <a:endParaRPr sz="2400">
-              <a:sym typeface="+mn-ea"/>
-            </a:endParaRPr>
           </a:p>
           <a:p>
             <a:pPr marL="285750" indent="-285750" algn="l">
@@ -7197,9 +7283,6 @@
               </a:rPr>
               <a:t>Populate the test data set with the predicted results of the model</a:t>
             </a:r>
-            <a:endParaRPr lang="en-US" altLang="zh-CN" sz="2400">
-              <a:sym typeface="+mn-ea"/>
-            </a:endParaRPr>
           </a:p>
           <a:p>
             <a:pPr marL="285750" indent="-285750" algn="l">
@@ -7221,9 +7304,6 @@
               </a:rPr>
               <a:t>Finish the report</a:t>
             </a:r>
-            <a:endParaRPr sz="2400">
-              <a:sym typeface="+mn-ea"/>
-            </a:endParaRPr>
           </a:p>
         </p:txBody>
       </p:sp>
@@ -7330,7 +7410,14 @@
         <p:cNvGrpSpPr/>
         <p:nvPr/>
       </p:nvGrpSpPr>
-      <p:grpSpPr/>
+      <p:grpSpPr>
+        <a:xfrm>
+          <a:off x="0" y="0"/>
+          <a:ext cx="0" cy="0"/>
+          <a:chOff x="0" y="0"/>
+          <a:chExt cx="0" cy="0"/>
+        </a:xfrm>
+      </p:grpSpPr>
       <p:pic>
         <p:nvPicPr>
           <p:cNvPr id="4" name="图片 3" descr="截屏2020-11-24 上午10.19.04"/>
@@ -7340,7 +7427,7 @@
           <p:nvPr/>
         </p:nvPicPr>
         <p:blipFill>
-          <a:blip r:embed="rId1"/>
+          <a:blip r:embed="rId2"/>
           <a:stretch>
             <a:fillRect/>
           </a:stretch>
@@ -7375,12 +7462,12 @@
           <a:bodyPr wrap="square" rtlCol="0">
             <a:spAutoFit/>
           </a:bodyPr>
+          <a:lstStyle/>
           <a:p>
             <a:r>
               <a:rPr lang="en-US" altLang="zh-CN" sz="5400" b="1" i="1"/>
               <a:t>Thank you</a:t>
             </a:r>
-            <a:endParaRPr lang="en-US" altLang="zh-CN" sz="5400" b="1" i="1"/>
           </a:p>
         </p:txBody>
       </p:sp>
@@ -7404,19 +7491,18 @@
           <a:bodyPr wrap="square" rtlCol="0">
             <a:spAutoFit/>
           </a:bodyPr>
+          <a:lstStyle/>
           <a:p>
             <a:r>
               <a:rPr lang="en-US" altLang="zh-CN"/>
               <a:t>QIAN Zhiqiang  20098906g</a:t>
             </a:r>
-            <a:endParaRPr lang="en-US" altLang="zh-CN"/>
           </a:p>
           <a:p>
             <a:r>
               <a:rPr lang="en-US" altLang="zh-CN"/>
               <a:t>ZHAO Zihao  20092616g</a:t>
             </a:r>
-            <a:endParaRPr lang="en-US" altLang="zh-CN"/>
           </a:p>
         </p:txBody>
       </p:sp>
@@ -7635,7 +7721,14 @@
         <p:cNvGrpSpPr/>
         <p:nvPr/>
       </p:nvGrpSpPr>
-      <p:grpSpPr/>
+      <p:grpSpPr>
+        <a:xfrm>
+          <a:off x="0" y="0"/>
+          <a:ext cx="0" cy="0"/>
+          <a:chOff x="0" y="0"/>
+          <a:chExt cx="0" cy="0"/>
+        </a:xfrm>
+      </p:grpSpPr>
       <p:pic>
         <p:nvPicPr>
           <p:cNvPr id="4" name="图片 3" descr="截屏2020-11-24 上午10.19.04"/>
@@ -7645,7 +7738,7 @@
           <p:nvPr/>
         </p:nvPicPr>
         <p:blipFill>
-          <a:blip r:embed="rId1"/>
+          <a:blip r:embed="rId2"/>
           <a:stretch>
             <a:fillRect/>
           </a:stretch>
@@ -7680,6 +7773,7 @@
           <a:bodyPr wrap="none" rtlCol="0" anchor="t">
             <a:spAutoFit/>
           </a:bodyPr>
+          <a:lstStyle/>
           <a:p>
             <a:pPr marL="285750" indent="-285750">
               <a:buFont typeface="Wingdings" panose="05000000000000000000" charset="0"/>
@@ -7715,6 +7809,7 @@
           <a:bodyPr wrap="square" rtlCol="0">
             <a:spAutoFit/>
           </a:bodyPr>
+          <a:lstStyle/>
           <a:p>
             <a:pPr marL="285750" indent="-285750">
               <a:buFont typeface="Wingdings" panose="05000000000000000000" charset="0"/>
@@ -7724,7 +7819,6 @@
               <a:rPr lang="en-US" altLang="zh-CN" sz="2000"/>
               <a:t>step2. Description of data</a:t>
             </a:r>
-            <a:endParaRPr lang="en-US" altLang="zh-CN" sz="2000"/>
           </a:p>
         </p:txBody>
       </p:sp>
@@ -7748,6 +7842,7 @@
           <a:bodyPr wrap="square" rtlCol="0">
             <a:spAutoFit/>
           </a:bodyPr>
+          <a:lstStyle/>
           <a:p>
             <a:pPr marL="285750" indent="-285750">
               <a:buFont typeface="Wingdings" panose="05000000000000000000" charset="0"/>
@@ -7757,7 +7852,6 @@
               <a:rPr lang="en-US" altLang="zh-CN" sz="2000"/>
               <a:t>step1. Read relevant dataset and set 'utf8' encode</a:t>
             </a:r>
-            <a:endParaRPr lang="en-US" altLang="zh-CN" sz="2000"/>
           </a:p>
         </p:txBody>
       </p:sp>
@@ -7770,7 +7864,7 @@
           <p:nvPr/>
         </p:nvPicPr>
         <p:blipFill>
-          <a:blip r:embed="rId2"/>
+          <a:blip r:embed="rId3"/>
           <a:stretch>
             <a:fillRect/>
           </a:stretch>
@@ -7794,7 +7888,7 @@
           <p:nvPr/>
         </p:nvPicPr>
         <p:blipFill>
-          <a:blip r:embed="rId3"/>
+          <a:blip r:embed="rId4"/>
           <a:stretch>
             <a:fillRect/>
           </a:stretch>
@@ -7818,7 +7912,7 @@
           <p:nvPr/>
         </p:nvPicPr>
         <p:blipFill>
-          <a:blip r:embed="rId4"/>
+          <a:blip r:embed="rId5"/>
           <a:stretch>
             <a:fillRect/>
           </a:stretch>
@@ -7853,6 +7947,7 @@
           <a:bodyPr wrap="square" rtlCol="0">
             <a:spAutoFit/>
           </a:bodyPr>
+          <a:lstStyle/>
           <a:p>
             <a:r>
               <a:rPr lang="zh-CN" altLang="en-US" b="1">
@@ -7890,6 +7985,7 @@
           <a:bodyPr wrap="square" rtlCol="0">
             <a:spAutoFit/>
           </a:bodyPr>
+          <a:lstStyle/>
           <a:p>
             <a:r>
               <a:rPr lang="zh-CN" altLang="en-US" b="1">
@@ -7899,11 +7995,6 @@
               </a:rPr>
               <a:t>There's no negative value</a:t>
             </a:r>
-            <a:endParaRPr lang="zh-CN" altLang="en-US" b="1">
-              <a:solidFill>
-                <a:srgbClr val="FF0000"/>
-              </a:solidFill>
-            </a:endParaRPr>
           </a:p>
         </p:txBody>
       </p:sp>
@@ -7955,6 +8046,7 @@
         </p:style>
         <p:txBody>
           <a:bodyPr rtlCol="0" anchor="ctr"/>
+          <a:lstStyle/>
           <a:p>
             <a:pPr algn="ctr"/>
             <a:endParaRPr lang="zh-CN" altLang="en-US"/>
@@ -8009,6 +8101,7 @@
         </p:style>
         <p:txBody>
           <a:bodyPr rtlCol="0" anchor="ctr"/>
+          <a:lstStyle/>
           <a:p>
             <a:pPr algn="ctr"/>
             <a:endParaRPr lang="zh-CN" altLang="en-US"/>
@@ -8887,12 +8980,12 @@
     </p:tnLst>
     <p:bldLst>
       <p:bldP spid="2" grpId="0"/>
+      <p:bldP spid="5" grpId="0"/>
       <p:bldP spid="8" grpId="0"/>
-      <p:bldP spid="5" grpId="0"/>
+      <p:bldP spid="14" grpId="0"/>
+      <p:bldP spid="15" grpId="0"/>
       <p:bldP spid="16" grpId="0" animBg="1"/>
-      <p:bldP spid="14" grpId="0"/>
       <p:bldP spid="17" grpId="0" bldLvl="0" animBg="1"/>
-      <p:bldP spid="15" grpId="0"/>
     </p:bldLst>
   </p:timing>
 </p:sld>
@@ -8907,7 +9000,14 @@
         <p:cNvGrpSpPr/>
         <p:nvPr/>
       </p:nvGrpSpPr>
-      <p:grpSpPr/>
+      <p:grpSpPr>
+        <a:xfrm>
+          <a:off x="0" y="0"/>
+          <a:ext cx="0" cy="0"/>
+          <a:chOff x="0" y="0"/>
+          <a:chExt cx="0" cy="0"/>
+        </a:xfrm>
+      </p:grpSpPr>
       <p:pic>
         <p:nvPicPr>
           <p:cNvPr id="4" name="图片 3" descr="截屏2020-11-24 上午10.19.04"/>
@@ -8917,7 +9017,7 @@
           <p:nvPr/>
         </p:nvPicPr>
         <p:blipFill>
-          <a:blip r:embed="rId1"/>
+          <a:blip r:embed="rId3"/>
           <a:stretch>
             <a:fillRect/>
           </a:stretch>
@@ -8952,6 +9052,7 @@
           <a:bodyPr wrap="none" rtlCol="0" anchor="t">
             <a:spAutoFit/>
           </a:bodyPr>
+          <a:lstStyle/>
           <a:p>
             <a:pPr marL="285750" indent="-285750">
               <a:buFont typeface="Wingdings" panose="05000000000000000000" charset="0"/>
@@ -8987,6 +9088,7 @@
           <a:bodyPr wrap="square" rtlCol="0">
             <a:spAutoFit/>
           </a:bodyPr>
+          <a:lstStyle/>
           <a:p>
             <a:pPr marL="285750" indent="-285750">
               <a:buFont typeface="Wingdings" panose="05000000000000000000" charset="0"/>
@@ -9020,9 +9122,6 @@
               </a:rPr>
               <a:t>s</a:t>
             </a:r>
-            <a:endParaRPr lang="en-US" altLang="zh-CN" sz="2000">
-              <a:sym typeface="+mn-ea"/>
-            </a:endParaRPr>
           </a:p>
         </p:txBody>
       </p:sp>
@@ -9035,7 +9134,7 @@
           <p:nvPr/>
         </p:nvPicPr>
         <p:blipFill>
-          <a:blip r:embed="rId2"/>
+          <a:blip r:embed="rId4"/>
           <a:stretch>
             <a:fillRect/>
           </a:stretch>
@@ -9070,12 +9169,12 @@
           <a:bodyPr wrap="square" rtlCol="0">
             <a:spAutoFit/>
           </a:bodyPr>
+          <a:lstStyle/>
           <a:p>
             <a:r>
               <a:rPr lang="zh-CN" altLang="en-US"/>
               <a:t>There are two lines of data with problems:</a:t>
             </a:r>
-            <a:endParaRPr lang="zh-CN" altLang="en-US"/>
           </a:p>
         </p:txBody>
       </p:sp>
@@ -9085,7 +9184,7 @@
           <p:cNvGraphicFramePr/>
           <p:nvPr>
             <p:custDataLst>
-              <p:tags r:id="rId3"/>
+              <p:tags r:id="rId1"/>
             </p:custDataLst>
           </p:nvPr>
         </p:nvGraphicFramePr>
@@ -9100,14 +9199,33 @@
                 <a:tableStyleId>{5C22544A-7EE6-4342-B048-85BDC9FD1C3A}</a:tableStyleId>
               </a:tblPr>
               <a:tblGrid>
-                <a:gridCol w="2844800"/>
-                <a:gridCol w="2844800"/>
-                <a:gridCol w="2844800"/>
+                <a:gridCol w="2844800">
+                  <a:extLst>
+                    <a:ext uri="{9D8B030D-6E8A-4147-A177-3AD203B41FA5}">
+                      <a16:colId xmlns:a16="http://schemas.microsoft.com/office/drawing/2014/main" val="20000"/>
+                    </a:ext>
+                  </a:extLst>
+                </a:gridCol>
+                <a:gridCol w="2844800">
+                  <a:extLst>
+                    <a:ext uri="{9D8B030D-6E8A-4147-A177-3AD203B41FA5}">
+                      <a16:colId xmlns:a16="http://schemas.microsoft.com/office/drawing/2014/main" val="20001"/>
+                    </a:ext>
+                  </a:extLst>
+                </a:gridCol>
+                <a:gridCol w="2844800">
+                  <a:extLst>
+                    <a:ext uri="{9D8B030D-6E8A-4147-A177-3AD203B41FA5}">
+                      <a16:colId xmlns:a16="http://schemas.microsoft.com/office/drawing/2014/main" val="20002"/>
+                    </a:ext>
+                  </a:extLst>
+                </a:gridCol>
               </a:tblGrid>
               <a:tr h="381000">
                 <a:tc>
                   <a:txBody>
                     <a:bodyPr/>
+                    <a:lstStyle/>
                     <a:p>
                       <a:pPr algn="ctr">
                         <a:buNone/>
@@ -9116,7 +9234,6 @@
                         <a:rPr lang="en-US" altLang="zh-CN"/>
                         <a:t>index</a:t>
                       </a:r>
-                      <a:endParaRPr lang="en-US" altLang="zh-CN"/>
                     </a:p>
                   </a:txBody>
                   <a:tcPr/>
@@ -9124,6 +9241,7 @@
                 <a:tc>
                   <a:txBody>
                     <a:bodyPr/>
+                    <a:lstStyle/>
                     <a:p>
                       <a:pPr algn="ctr">
                         <a:buNone/>
@@ -9132,7 +9250,6 @@
                         <a:rPr lang="en-US" altLang="zh-CN"/>
                         <a:t>original record</a:t>
                       </a:r>
-                      <a:endParaRPr lang="en-US" altLang="zh-CN"/>
                     </a:p>
                   </a:txBody>
                   <a:tcPr/>
@@ -9140,6 +9257,7 @@
                 <a:tc>
                   <a:txBody>
                     <a:bodyPr/>
+                    <a:lstStyle/>
                     <a:p>
                       <a:pPr algn="ctr">
                         <a:buNone/>
@@ -9148,16 +9266,21 @@
                         <a:rPr lang="en-US" altLang="zh-CN"/>
                         <a:t>new record</a:t>
                       </a:r>
-                      <a:endParaRPr lang="en-US" altLang="zh-CN"/>
                     </a:p>
                   </a:txBody>
                   <a:tcPr/>
                 </a:tc>
+                <a:extLst>
+                  <a:ext uri="{0D108BD9-81ED-4DB2-BD59-A6C34878D82A}">
+                    <a16:rowId xmlns:a16="http://schemas.microsoft.com/office/drawing/2014/main" val="10000"/>
+                  </a:ext>
+                </a:extLst>
               </a:tr>
               <a:tr h="381000">
                 <a:tc>
                   <a:txBody>
                     <a:bodyPr/>
+                    <a:lstStyle/>
                     <a:p>
                       <a:pPr algn="ctr">
                         <a:buNone/>
@@ -9166,7 +9289,6 @@
                         <a:rPr lang="en-US" altLang="zh-CN"/>
                         <a:t>4874</a:t>
                       </a:r>
-                      <a:endParaRPr lang="en-US" altLang="zh-CN"/>
                     </a:p>
                   </a:txBody>
                   <a:tcPr/>
@@ -9174,6 +9296,7 @@
                 <a:tc>
                   <a:txBody>
                     <a:bodyPr/>
+                    <a:lstStyle/>
                     <a:p>
                       <a:pPr algn="ctr">
                         <a:buNone/>
@@ -9182,7 +9305,6 @@
                         <a:rPr lang="en-US" altLang="zh-CN"/>
                         <a:t>6/31/1982</a:t>
                       </a:r>
-                      <a:endParaRPr lang="en-US" altLang="zh-CN"/>
                     </a:p>
                   </a:txBody>
                   <a:tcPr/>
@@ -9190,6 +9312,7 @@
                 <a:tc>
                   <a:txBody>
                     <a:bodyPr/>
+                    <a:lstStyle/>
                     <a:p>
                       <a:pPr algn="ctr">
                         <a:buNone/>
@@ -9198,16 +9321,21 @@
                         <a:rPr lang="en-US" altLang="zh-CN"/>
                         <a:t>7/1/1982</a:t>
                       </a:r>
-                      <a:endParaRPr lang="en-US" altLang="zh-CN"/>
                     </a:p>
                   </a:txBody>
                   <a:tcPr/>
                 </a:tc>
+                <a:extLst>
+                  <a:ext uri="{0D108BD9-81ED-4DB2-BD59-A6C34878D82A}">
+                    <a16:rowId xmlns:a16="http://schemas.microsoft.com/office/drawing/2014/main" val="10001"/>
+                  </a:ext>
+                </a:extLst>
               </a:tr>
               <a:tr h="381000">
                 <a:tc>
                   <a:txBody>
                     <a:bodyPr/>
+                    <a:lstStyle/>
                     <a:p>
                       <a:pPr algn="ctr">
                         <a:buNone/>
@@ -9216,7 +9344,6 @@
                         <a:rPr lang="en-US" altLang="zh-CN"/>
                         <a:t>6459</a:t>
                       </a:r>
-                      <a:endParaRPr lang="en-US" altLang="zh-CN"/>
                     </a:p>
                   </a:txBody>
                   <a:tcPr/>
@@ -9224,6 +9351,7 @@
                 <a:tc>
                   <a:txBody>
                     <a:bodyPr/>
+                    <a:lstStyle/>
                     <a:p>
                       <a:pPr algn="ctr">
                         <a:buNone/>
@@ -9232,7 +9360,6 @@
                         <a:rPr lang="en-US" altLang="zh-CN"/>
                         <a:t>11/31/2000</a:t>
                       </a:r>
-                      <a:endParaRPr lang="en-US" altLang="zh-CN"/>
                     </a:p>
                   </a:txBody>
                   <a:tcPr/>
@@ -9240,6 +9367,7 @@
                 <a:tc>
                   <a:txBody>
                     <a:bodyPr/>
+                    <a:lstStyle/>
                     <a:p>
                       <a:pPr algn="ctr">
                         <a:buNone/>
@@ -9248,11 +9376,15 @@
                         <a:rPr lang="en-US" altLang="zh-CN"/>
                         <a:t>12/1/2000</a:t>
                       </a:r>
-                      <a:endParaRPr lang="en-US" altLang="zh-CN"/>
                     </a:p>
                   </a:txBody>
                   <a:tcPr/>
                 </a:tc>
+                <a:extLst>
+                  <a:ext uri="{0D108BD9-81ED-4DB2-BD59-A6C34878D82A}">
+                    <a16:rowId xmlns:a16="http://schemas.microsoft.com/office/drawing/2014/main" val="10002"/>
+                  </a:ext>
+                </a:extLst>
               </a:tr>
             </a:tbl>
           </a:graphicData>
@@ -9729,7 +9861,14 @@
         <p:cNvGrpSpPr/>
         <p:nvPr/>
       </p:nvGrpSpPr>
-      <p:grpSpPr/>
+      <p:grpSpPr>
+        <a:xfrm>
+          <a:off x="0" y="0"/>
+          <a:ext cx="0" cy="0"/>
+          <a:chOff x="0" y="0"/>
+          <a:chExt cx="0" cy="0"/>
+        </a:xfrm>
+      </p:grpSpPr>
       <p:pic>
         <p:nvPicPr>
           <p:cNvPr id="4" name="图片 3" descr="截屏2020-11-24 上午10.19.04"/>
@@ -9739,7 +9878,7 @@
           <p:nvPr/>
         </p:nvPicPr>
         <p:blipFill>
-          <a:blip r:embed="rId1"/>
+          <a:blip r:embed="rId2"/>
           <a:stretch>
             <a:fillRect/>
           </a:stretch>
@@ -9774,6 +9913,7 @@
           <a:bodyPr wrap="none" rtlCol="0" anchor="t">
             <a:spAutoFit/>
           </a:bodyPr>
+          <a:lstStyle/>
           <a:p>
             <a:pPr marL="285750" indent="-285750">
               <a:buFont typeface="Wingdings" panose="05000000000000000000" charset="0"/>
@@ -9809,6 +9949,7 @@
           <a:bodyPr wrap="square" rtlCol="0">
             <a:spAutoFit/>
           </a:bodyPr>
+          <a:lstStyle/>
           <a:p>
             <a:pPr marL="285750" indent="-285750">
               <a:buFont typeface="Wingdings" panose="05000000000000000000" charset="0"/>
@@ -9824,6 +9965,66 @@
           </a:p>
         </p:txBody>
       </p:sp>
+      <p:pic>
+        <p:nvPicPr>
+          <p:cNvPr id="3" name="图片 2">
+            <a:extLst>
+              <a:ext uri="{FF2B5EF4-FFF2-40B4-BE49-F238E27FC236}">
+                <a16:creationId xmlns:a16="http://schemas.microsoft.com/office/drawing/2014/main" id="{96780105-6D5E-447A-B2EC-EB785D2C69EA}"/>
+              </a:ext>
+            </a:extLst>
+          </p:cNvPr>
+          <p:cNvPicPr>
+            <a:picLocks noChangeAspect="1"/>
+          </p:cNvPicPr>
+          <p:nvPr/>
+        </p:nvPicPr>
+        <p:blipFill>
+          <a:blip r:embed="rId3"/>
+          <a:stretch>
+            <a:fillRect/>
+          </a:stretch>
+        </p:blipFill>
+        <p:spPr>
+          <a:xfrm>
+            <a:off x="650800" y="2122805"/>
+            <a:ext cx="9075420" cy="2409471"/>
+          </a:xfrm>
+          <a:prstGeom prst="rect">
+            <a:avLst/>
+          </a:prstGeom>
+        </p:spPr>
+      </p:pic>
+      <p:pic>
+        <p:nvPicPr>
+          <p:cNvPr id="6" name="图片 5">
+            <a:extLst>
+              <a:ext uri="{FF2B5EF4-FFF2-40B4-BE49-F238E27FC236}">
+                <a16:creationId xmlns:a16="http://schemas.microsoft.com/office/drawing/2014/main" id="{65723DF6-8392-4875-936D-9F354B1BE5BC}"/>
+              </a:ext>
+            </a:extLst>
+          </p:cNvPr>
+          <p:cNvPicPr>
+            <a:picLocks noChangeAspect="1"/>
+          </p:cNvPicPr>
+          <p:nvPr/>
+        </p:nvPicPr>
+        <p:blipFill>
+          <a:blip r:embed="rId4"/>
+          <a:stretch>
+            <a:fillRect/>
+          </a:stretch>
+        </p:blipFill>
+        <p:spPr>
+          <a:xfrm>
+            <a:off x="5697107" y="1647825"/>
+            <a:ext cx="5263935" cy="4363295"/>
+          </a:xfrm>
+          <a:prstGeom prst="rect">
+            <a:avLst/>
+          </a:prstGeom>
+        </p:spPr>
+      </p:pic>
     </p:spTree>
   </p:cSld>
   <p:clrMapOvr>
@@ -10010,6 +10211,96 @@
                                         </p:tav>
                                       </p:tavLst>
                                     </p:anim>
+                                  </p:childTnLst>
+                                </p:cTn>
+                              </p:par>
+                            </p:childTnLst>
+                          </p:cTn>
+                        </p:par>
+                      </p:childTnLst>
+                    </p:cTn>
+                  </p:par>
+                  <p:par>
+                    <p:cTn id="15" fill="hold">
+                      <p:stCondLst>
+                        <p:cond delay="indefinite"/>
+                      </p:stCondLst>
+                      <p:childTnLst>
+                        <p:par>
+                          <p:cTn id="16" fill="hold">
+                            <p:stCondLst>
+                              <p:cond delay="0"/>
+                            </p:stCondLst>
+                            <p:childTnLst>
+                              <p:par>
+                                <p:cTn id="17" presetID="1" presetClass="entr" presetSubtype="0" fill="hold" nodeType="clickEffect">
+                                  <p:stCondLst>
+                                    <p:cond delay="0"/>
+                                  </p:stCondLst>
+                                  <p:childTnLst>
+                                    <p:set>
+                                      <p:cBhvr>
+                                        <p:cTn id="18" dur="1" fill="hold">
+                                          <p:stCondLst>
+                                            <p:cond delay="0"/>
+                                          </p:stCondLst>
+                                        </p:cTn>
+                                        <p:tgtEl>
+                                          <p:spTgt spid="3"/>
+                                        </p:tgtEl>
+                                        <p:attrNameLst>
+                                          <p:attrName>style.visibility</p:attrName>
+                                        </p:attrNameLst>
+                                      </p:cBhvr>
+                                      <p:to>
+                                        <p:strVal val="visible"/>
+                                      </p:to>
+                                    </p:set>
+                                  </p:childTnLst>
+                                </p:cTn>
+                              </p:par>
+                            </p:childTnLst>
+                          </p:cTn>
+                        </p:par>
+                      </p:childTnLst>
+                    </p:cTn>
+                  </p:par>
+                  <p:par>
+                    <p:cTn id="19" fill="hold">
+                      <p:stCondLst>
+                        <p:cond delay="indefinite"/>
+                      </p:stCondLst>
+                      <p:childTnLst>
+                        <p:par>
+                          <p:cTn id="20" fill="hold">
+                            <p:stCondLst>
+                              <p:cond delay="0"/>
+                            </p:stCondLst>
+                            <p:childTnLst>
+                              <p:par>
+                                <p:cTn id="21" presetID="1" presetClass="entr" presetSubtype="0" fill="hold" nodeType="clickEffect">
+                                  <p:stCondLst>
+                                    <p:cond delay="0"/>
+                                  </p:stCondLst>
+                                  <p:childTnLst>
+                                    <p:set>
+                                      <p:cBhvr>
+                                        <p:cTn id="22" dur="1" fill="hold">
+                                          <p:stCondLst>
+                                            <p:cond delay="0"/>
+                                          </p:stCondLst>
+                                        </p:cTn>
+                                        <p:tgtEl>
+                                          <p:spTgt spid="6"/>
+                                        </p:tgtEl>
+                                        <p:attrNameLst>
+                                          <p:attrName>style.visibility</p:attrName>
+                                        </p:attrNameLst>
+                                      </p:cBhvr>
+                                      <p:to>
+                                        <p:strVal val="visible"/>
+                                      </p:to>
+                                    </p:set>
                                   </p:childTnLst>
                                 </p:cTn>
                               </p:par>
@@ -10057,7 +10348,14 @@
         <p:cNvGrpSpPr/>
         <p:nvPr/>
       </p:nvGrpSpPr>
-      <p:grpSpPr/>
+      <p:grpSpPr>
+        <a:xfrm>
+          <a:off x="0" y="0"/>
+          <a:ext cx="0" cy="0"/>
+          <a:chOff x="0" y="0"/>
+          <a:chExt cx="0" cy="0"/>
+        </a:xfrm>
+      </p:grpSpPr>
       <p:pic>
         <p:nvPicPr>
           <p:cNvPr id="4" name="图片 3" descr="截屏2020-11-24 上午10.19.04"/>
@@ -10067,7 +10365,7 @@
           <p:nvPr/>
         </p:nvPicPr>
         <p:blipFill>
-          <a:blip r:embed="rId1"/>
+          <a:blip r:embed="rId2"/>
           <a:stretch>
             <a:fillRect/>
           </a:stretch>
@@ -10102,6 +10400,7 @@
           <a:bodyPr wrap="none" rtlCol="0" anchor="t">
             <a:spAutoFit/>
           </a:bodyPr>
+          <a:lstStyle/>
           <a:p>
             <a:pPr marL="285750" indent="-285750">
               <a:buFont typeface="Wingdings" panose="05000000000000000000" charset="0"/>
@@ -10137,6 +10436,7 @@
           <a:bodyPr wrap="square" rtlCol="0">
             <a:spAutoFit/>
           </a:bodyPr>
+          <a:lstStyle/>
           <a:p>
             <a:pPr marL="285750" indent="-285750">
               <a:buFont typeface="Wingdings" panose="05000000000000000000" charset="0"/>
@@ -10152,35 +10452,66 @@
           </a:p>
         </p:txBody>
       </p:sp>
-      <p:sp>
-        <p:nvSpPr>
-          <p:cNvPr id="2" name="文本框 1"/>
-          <p:cNvSpPr txBox="1"/>
+      <p:pic>
+        <p:nvPicPr>
+          <p:cNvPr id="6" name="图片 5">
+            <a:extLst>
+              <a:ext uri="{FF2B5EF4-FFF2-40B4-BE49-F238E27FC236}">
+                <a16:creationId xmlns:a16="http://schemas.microsoft.com/office/drawing/2014/main" id="{0470B8DE-7069-4E61-A90F-C70B2E77818F}"/>
+              </a:ext>
+            </a:extLst>
+          </p:cNvPr>
+          <p:cNvPicPr>
+            <a:picLocks noChangeAspect="1"/>
+          </p:cNvPicPr>
           <p:nvPr/>
-        </p:nvSpPr>
+        </p:nvPicPr>
+        <p:blipFill>
+          <a:blip r:embed="rId3"/>
+          <a:stretch>
+            <a:fillRect/>
+          </a:stretch>
+        </p:blipFill>
         <p:spPr>
           <a:xfrm>
-            <a:off x="2242185" y="2709545"/>
-            <a:ext cx="3570605" cy="368300"/>
+            <a:off x="852448" y="2319655"/>
+            <a:ext cx="10487104" cy="489996"/>
           </a:xfrm>
           <a:prstGeom prst="rect">
             <a:avLst/>
           </a:prstGeom>
-          <a:noFill/>
         </p:spPr>
-        <p:txBody>
-          <a:bodyPr wrap="square" rtlCol="0">
-            <a:spAutoFit/>
-          </a:bodyPr>
-          <a:p>
-            <a:r>
-              <a:rPr lang="zh-CN" altLang="en-US"/>
-              <a:t>文本数据向量化</a:t>
-            </a:r>
-            <a:endParaRPr lang="zh-CN" altLang="en-US"/>
-          </a:p>
-        </p:txBody>
-      </p:sp>
+      </p:pic>
+      <p:pic>
+        <p:nvPicPr>
+          <p:cNvPr id="3" name="图片 2">
+            <a:extLst>
+              <a:ext uri="{FF2B5EF4-FFF2-40B4-BE49-F238E27FC236}">
+                <a16:creationId xmlns:a16="http://schemas.microsoft.com/office/drawing/2014/main" id="{37113644-8A85-41C1-8CE7-1398513A9286}"/>
+              </a:ext>
+            </a:extLst>
+          </p:cNvPr>
+          <p:cNvPicPr>
+            <a:picLocks noChangeAspect="1"/>
+          </p:cNvPicPr>
+          <p:nvPr/>
+        </p:nvPicPr>
+        <p:blipFill>
+          <a:blip r:embed="rId4"/>
+          <a:stretch>
+            <a:fillRect/>
+          </a:stretch>
+        </p:blipFill>
+        <p:spPr>
+          <a:xfrm>
+            <a:off x="852448" y="3282091"/>
+            <a:ext cx="6534150" cy="3105919"/>
+          </a:xfrm>
+          <a:prstGeom prst="rect">
+            <a:avLst/>
+          </a:prstGeom>
+        </p:spPr>
+      </p:pic>
     </p:spTree>
   </p:cSld>
   <p:clrMapOvr>
@@ -10414,7 +10745,14 @@
         <p:cNvGrpSpPr/>
         <p:nvPr/>
       </p:nvGrpSpPr>
-      <p:grpSpPr/>
+      <p:grpSpPr>
+        <a:xfrm>
+          <a:off x="0" y="0"/>
+          <a:ext cx="0" cy="0"/>
+          <a:chOff x="0" y="0"/>
+          <a:chExt cx="0" cy="0"/>
+        </a:xfrm>
+      </p:grpSpPr>
       <p:pic>
         <p:nvPicPr>
           <p:cNvPr id="4" name="图片 3" descr="截屏2020-11-24 上午10.19.04"/>
@@ -10424,7 +10762,7 @@
           <p:nvPr/>
         </p:nvPicPr>
         <p:blipFill>
-          <a:blip r:embed="rId1"/>
+          <a:blip r:embed="rId2"/>
           <a:stretch>
             <a:fillRect/>
           </a:stretch>
@@ -10459,6 +10797,7 @@
           <a:bodyPr wrap="none" rtlCol="0" anchor="t">
             <a:spAutoFit/>
           </a:bodyPr>
+          <a:lstStyle/>
           <a:p>
             <a:pPr marL="285750" indent="-285750">
               <a:buFont typeface="Wingdings" panose="05000000000000000000" charset="0"/>
@@ -10494,6 +10833,7 @@
           <a:bodyPr wrap="square" rtlCol="0">
             <a:spAutoFit/>
           </a:bodyPr>
+          <a:lstStyle/>
           <a:p>
             <a:pPr marL="285750" indent="-285750">
               <a:buFont typeface="Wingdings" panose="05000000000000000000" charset="0"/>
@@ -10503,7 +10843,6 @@
               <a:rPr lang="en-US" altLang="zh-CN" sz="2000"/>
               <a:t>step5. Data visualization</a:t>
             </a:r>
-            <a:endParaRPr lang="en-US" altLang="zh-CN" sz="2000"/>
           </a:p>
         </p:txBody>
       </p:sp>
@@ -10516,7 +10855,7 @@
           <p:nvPr/>
         </p:nvPicPr>
         <p:blipFill>
-          <a:blip r:embed="rId2"/>
+          <a:blip r:embed="rId3"/>
           <a:stretch>
             <a:fillRect/>
           </a:stretch>
@@ -10579,6 +10918,7 @@
         </p:style>
         <p:txBody>
           <a:bodyPr rtlCol="0" anchor="ctr"/>
+          <a:lstStyle/>
           <a:p>
             <a:pPr algn="ctr"/>
             <a:endParaRPr lang="zh-CN" altLang="en-US"/>
@@ -10594,7 +10934,7 @@
           <p:nvPr/>
         </p:nvPicPr>
         <p:blipFill>
-          <a:blip r:embed="rId3"/>
+          <a:blip r:embed="rId4"/>
           <a:stretch>
             <a:fillRect/>
           </a:stretch>
@@ -10629,12 +10969,12 @@
           <a:bodyPr wrap="square" rtlCol="0">
             <a:spAutoFit/>
           </a:bodyPr>
+          <a:lstStyle/>
           <a:p>
             <a:r>
               <a:rPr lang="en-US" altLang="zh-CN" sz="2000" b="1"/>
               <a:t>month/day/year---&gt;year</a:t>
             </a:r>
-            <a:endParaRPr lang="en-US" altLang="zh-CN" sz="2000" b="1"/>
           </a:p>
         </p:txBody>
       </p:sp>
@@ -11219,7 +11559,14 @@
         <p:cNvGrpSpPr/>
         <p:nvPr/>
       </p:nvGrpSpPr>
-      <p:grpSpPr/>
+      <p:grpSpPr>
+        <a:xfrm>
+          <a:off x="0" y="0"/>
+          <a:ext cx="0" cy="0"/>
+          <a:chOff x="0" y="0"/>
+          <a:chExt cx="0" cy="0"/>
+        </a:xfrm>
+      </p:grpSpPr>
       <p:pic>
         <p:nvPicPr>
           <p:cNvPr id="4" name="图片 3" descr="截屏2020-11-24 上午10.19.04"/>
@@ -11229,7 +11576,7 @@
           <p:nvPr/>
         </p:nvPicPr>
         <p:blipFill>
-          <a:blip r:embed="rId1"/>
+          <a:blip r:embed="rId2"/>
           <a:stretch>
             <a:fillRect/>
           </a:stretch>
@@ -11264,6 +11611,7 @@
           <a:bodyPr wrap="none" rtlCol="0" anchor="t">
             <a:spAutoFit/>
           </a:bodyPr>
+          <a:lstStyle/>
           <a:p>
             <a:pPr marL="285750" indent="-285750">
               <a:buFont typeface="Wingdings" panose="05000000000000000000" charset="0"/>
@@ -11299,6 +11647,7 @@
           <a:bodyPr wrap="square" rtlCol="0">
             <a:spAutoFit/>
           </a:bodyPr>
+          <a:lstStyle/>
           <a:p>
             <a:pPr marL="285750" indent="-285750">
               <a:buFont typeface="Wingdings" panose="05000000000000000000" charset="0"/>
@@ -11308,7 +11657,6 @@
               <a:rPr lang="en-US" altLang="zh-CN" sz="2000"/>
               <a:t>step5. Data visualization</a:t>
             </a:r>
-            <a:endParaRPr lang="en-US" altLang="zh-CN" sz="2000"/>
           </a:p>
         </p:txBody>
       </p:sp>
@@ -11545,7 +11893,14 @@
         <p:cNvGrpSpPr/>
         <p:nvPr/>
       </p:nvGrpSpPr>
-      <p:grpSpPr/>
+      <p:grpSpPr>
+        <a:xfrm>
+          <a:off x="0" y="0"/>
+          <a:ext cx="0" cy="0"/>
+          <a:chOff x="0" y="0"/>
+          <a:chExt cx="0" cy="0"/>
+        </a:xfrm>
+      </p:grpSpPr>
       <p:pic>
         <p:nvPicPr>
           <p:cNvPr id="4" name="图片 3" descr="截屏2020-11-24 上午10.19.04"/>
@@ -11555,7 +11910,7 @@
           <p:nvPr/>
         </p:nvPicPr>
         <p:blipFill>
-          <a:blip r:embed="rId1"/>
+          <a:blip r:embed="rId2"/>
           <a:stretch>
             <a:fillRect/>
           </a:stretch>
@@ -11590,6 +11945,7 @@
           <a:bodyPr wrap="square" rtlCol="0" anchor="t">
             <a:spAutoFit/>
           </a:bodyPr>
+          <a:lstStyle/>
           <a:p>
             <a:pPr marL="285750" indent="-285750" algn="l">
               <a:buFont typeface="Wingdings" panose="05000000000000000000" charset="0"/>
@@ -11625,6 +11981,7 @@
           <a:bodyPr wrap="square" rtlCol="0">
             <a:spAutoFit/>
           </a:bodyPr>
+          <a:lstStyle/>
           <a:p>
             <a:pPr marL="285750" indent="-285750">
               <a:buFont typeface="Wingdings" panose="05000000000000000000" charset="0"/>
@@ -11660,12 +12017,12 @@
           <a:bodyPr wrap="square" rtlCol="0">
             <a:spAutoFit/>
           </a:bodyPr>
+          <a:lstStyle/>
           <a:p>
             <a:r>
               <a:rPr lang="en-US" altLang="zh-CN"/>
               <a:t>how to find the most suitable feature for each iteration?</a:t>
             </a:r>
-            <a:endParaRPr lang="en-US" altLang="zh-CN"/>
           </a:p>
         </p:txBody>
       </p:sp>
@@ -11763,12 +12120,12 @@
           <a:bodyPr wrap="square" rtlCol="0">
             <a:spAutoFit/>
           </a:bodyPr>
+          <a:lstStyle/>
           <a:p>
             <a:r>
               <a:rPr lang="en-US" altLang="zh-CN"/>
               <a:t>criterion</a:t>
             </a:r>
-            <a:endParaRPr lang="en-US" altLang="zh-CN"/>
           </a:p>
         </p:txBody>
       </p:sp>
@@ -11868,12 +12225,12 @@
           <a:bodyPr wrap="square" rtlCol="0">
             <a:spAutoFit/>
           </a:bodyPr>
+          <a:lstStyle/>
           <a:p>
             <a:r>
               <a:rPr lang="en-US" altLang="zh-CN"/>
               <a:t>DT Classifier--gini,entropy</a:t>
             </a:r>
-            <a:endParaRPr lang="en-US" altLang="zh-CN"/>
           </a:p>
         </p:txBody>
       </p:sp>
@@ -11897,12 +12254,12 @@
           <a:bodyPr wrap="square" rtlCol="0">
             <a:spAutoFit/>
           </a:bodyPr>
+          <a:lstStyle/>
           <a:p>
             <a:r>
               <a:rPr lang="en-US" altLang="zh-CN"/>
               <a:t>DT Regressor--MSE</a:t>
             </a:r>
-            <a:endParaRPr lang="en-US" altLang="zh-CN"/>
           </a:p>
         </p:txBody>
       </p:sp>
@@ -11926,12 +12283,12 @@
           <a:bodyPr wrap="square" rtlCol="0">
             <a:spAutoFit/>
           </a:bodyPr>
+          <a:lstStyle/>
           <a:p>
             <a:r>
               <a:rPr lang="en-US" altLang="zh-CN"/>
               <a:t>overfitting</a:t>
             </a:r>
-            <a:endParaRPr lang="en-US" altLang="zh-CN"/>
           </a:p>
         </p:txBody>
       </p:sp>
@@ -11993,19 +12350,18 @@
           <a:bodyPr wrap="square" rtlCol="0">
             <a:spAutoFit/>
           </a:bodyPr>
+          <a:lstStyle/>
           <a:p>
             <a:r>
               <a:rPr lang="en-US" altLang="zh-CN"/>
               <a:t>training dataset--good</a:t>
             </a:r>
-            <a:endParaRPr lang="en-US" altLang="zh-CN"/>
           </a:p>
           <a:p>
             <a:r>
               <a:rPr lang="en-US" altLang="zh-CN"/>
               <a:t>testing dataset--poor</a:t>
             </a:r>
-            <a:endParaRPr lang="en-US" altLang="zh-CN"/>
           </a:p>
         </p:txBody>
       </p:sp>
@@ -12065,12 +12421,12 @@
           <a:bodyPr wrap="square" rtlCol="0">
             <a:spAutoFit/>
           </a:bodyPr>
+          <a:lstStyle/>
           <a:p>
             <a:r>
               <a:rPr lang="zh-CN" altLang="en-US"/>
               <a:t>Prune the model</a:t>
             </a:r>
-            <a:endParaRPr lang="zh-CN" altLang="en-US"/>
           </a:p>
         </p:txBody>
       </p:sp>
@@ -12132,6 +12488,7 @@
           <a:bodyPr wrap="square" rtlCol="0">
             <a:spAutoFit/>
           </a:bodyPr>
+          <a:lstStyle/>
           <a:p>
             <a:pPr marL="285750" indent="-285750">
               <a:buFont typeface="Wingdings" panose="05000000000000000000" charset="0"/>
@@ -12141,7 +12498,6 @@
               <a:rPr lang="zh-CN" altLang="en-US"/>
               <a:t>max_depth</a:t>
             </a:r>
-            <a:endParaRPr lang="zh-CN" altLang="en-US"/>
           </a:p>
           <a:p>
             <a:pPr marL="285750" indent="-285750">
@@ -12152,7 +12508,6 @@
               <a:rPr lang="zh-CN" altLang="en-US"/>
               <a:t>min_samples_leaf </a:t>
             </a:r>
-            <a:endParaRPr lang="zh-CN" altLang="en-US"/>
           </a:p>
           <a:p>
             <a:pPr marL="285750" indent="-285750">
@@ -12171,9 +12526,6 @@
               </a:rPr>
               <a:t>split</a:t>
             </a:r>
-            <a:endParaRPr lang="en-US" altLang="zh-CN">
-              <a:sym typeface="+mn-ea"/>
-            </a:endParaRPr>
           </a:p>
           <a:p>
             <a:pPr marL="285750" indent="-285750">
@@ -12186,9 +12538,6 @@
               </a:rPr>
               <a:t>max_features </a:t>
             </a:r>
-            <a:endParaRPr lang="en-US" altLang="zh-CN">
-              <a:sym typeface="+mn-ea"/>
-            </a:endParaRPr>
           </a:p>
           <a:p>
             <a:pPr marL="285750" indent="-285750">
@@ -12201,9 +12550,6 @@
               </a:rPr>
               <a:t>min_impurity_decrease</a:t>
             </a:r>
-            <a:endParaRPr lang="en-US" altLang="zh-CN">
-              <a:sym typeface="+mn-ea"/>
-            </a:endParaRPr>
           </a:p>
           <a:p>
             <a:pPr marL="285750" indent="-285750">
@@ -12216,9 +12562,6 @@
               </a:rPr>
               <a:t>.....</a:t>
             </a:r>
-            <a:endParaRPr lang="en-US" altLang="zh-CN">
-              <a:sym typeface="+mn-ea"/>
-            </a:endParaRPr>
           </a:p>
         </p:txBody>
       </p:sp>
@@ -13658,7 +14001,7 @@
 </file>
 
 <file path=ppt/tags/tag1.xml><?xml version="1.0" encoding="utf-8"?>
-<p:tagLst xmlns:p="http://schemas.openxmlformats.org/presentationml/2006/main">
+<p:tagLst xmlns:a="http://schemas.openxmlformats.org/drawingml/2006/main" xmlns:r="http://schemas.openxmlformats.org/officeDocument/2006/relationships" xmlns:p="http://schemas.openxmlformats.org/presentationml/2006/main">
   <p:tag name="KSO_WM_UNIT_TABLE_BEAUTIFY" val="smartTable{dd53d227-a315-4733-a1a2-d6c57876bd53}"/>
 </p:tagLst>
 </file>
@@ -13914,6 +14257,8 @@
       </a:bgFillStyleLst>
     </a:fmtScheme>
   </a:themeElements>
+  <a:objectDefaults/>
+  <a:extraClrSchemeLst/>
   <a:extLst>
     <a:ext uri="{05A4C25C-085E-4340-85A3-A5531E510DB2}">
       <thm15:themeFamily xmlns:thm15="http://schemas.microsoft.com/office/thememl/2012/main" name="Office Theme" id="{62F939B6-93AF-4DB8-9C6B-D6C7DFDC589F}" vid="{4A3C46E8-61CC-4603-A589-7422A47A8E4A}"/>
@@ -14173,6 +14518,8 @@
       </a:bgFillStyleLst>
     </a:fmtScheme>
   </a:themeElements>
+  <a:objectDefaults/>
+  <a:extraClrSchemeLst/>
   <a:extLst>
     <a:ext uri="{05A4C25C-085E-4340-85A3-A5531E510DB2}">
       <thm15:themeFamily xmlns:thm15="http://schemas.microsoft.com/office/thememl/2012/main" name="Office Theme" id="{62F939B6-93AF-4DB8-9C6B-D6C7DFDC589F}" vid="{4A3C46E8-61CC-4603-A589-7422A47A8E4A}"/>
